--- a/data/templates/amplicon.pptx
+++ b/data/templates/amplicon.pptx
@@ -6,6 +6,8 @@
   </p:sldMasterIdLst>
   <p:sldIdLst>
     <p:sldId id="256" r:id="rId2"/>
+    <p:sldId id="257" r:id="rId3"/>
+    <p:sldId id="258" r:id="rId4"/>
   </p:sldIdLst>
   <p:sldSz cx="9144000" cy="6858000" type="screen4x3"/>
   <p:notesSz cx="6858000" cy="9144000"/>
@@ -288,7 +290,7 @@
           <a:p>
             <a:fld id="{8C547951-7935-414E-96AB-1778767871F6}" type="datetimeFigureOut">
               <a:rPr lang="en-US" smtClean="0"/>
-              <a:t>18/06/20</a:t>
+              <a:t>30/04/21</a:t>
             </a:fld>
             <a:endParaRPr lang="en-US"/>
           </a:p>
@@ -458,7 +460,7 @@
           <a:p>
             <a:fld id="{8C547951-7935-414E-96AB-1778767871F6}" type="datetimeFigureOut">
               <a:rPr lang="en-US" smtClean="0"/>
-              <a:t>18/06/20</a:t>
+              <a:t>30/04/21</a:t>
             </a:fld>
             <a:endParaRPr lang="en-US"/>
           </a:p>
@@ -638,7 +640,7 @@
           <a:p>
             <a:fld id="{8C547951-7935-414E-96AB-1778767871F6}" type="datetimeFigureOut">
               <a:rPr lang="en-US" smtClean="0"/>
-              <a:t>18/06/20</a:t>
+              <a:t>30/04/21</a:t>
             </a:fld>
             <a:endParaRPr lang="en-US"/>
           </a:p>
@@ -808,7 +810,7 @@
           <a:p>
             <a:fld id="{8C547951-7935-414E-96AB-1778767871F6}" type="datetimeFigureOut">
               <a:rPr lang="en-US" smtClean="0"/>
-              <a:t>18/06/20</a:t>
+              <a:t>30/04/21</a:t>
             </a:fld>
             <a:endParaRPr lang="en-US"/>
           </a:p>
@@ -1054,7 +1056,7 @@
           <a:p>
             <a:fld id="{8C547951-7935-414E-96AB-1778767871F6}" type="datetimeFigureOut">
               <a:rPr lang="en-US" smtClean="0"/>
-              <a:t>18/06/20</a:t>
+              <a:t>30/04/21</a:t>
             </a:fld>
             <a:endParaRPr lang="en-US"/>
           </a:p>
@@ -1342,7 +1344,7 @@
           <a:p>
             <a:fld id="{8C547951-7935-414E-96AB-1778767871F6}" type="datetimeFigureOut">
               <a:rPr lang="en-US" smtClean="0"/>
-              <a:t>18/06/20</a:t>
+              <a:t>30/04/21</a:t>
             </a:fld>
             <a:endParaRPr lang="en-US"/>
           </a:p>
@@ -1764,7 +1766,7 @@
           <a:p>
             <a:fld id="{8C547951-7935-414E-96AB-1778767871F6}" type="datetimeFigureOut">
               <a:rPr lang="en-US" smtClean="0"/>
-              <a:t>18/06/20</a:t>
+              <a:t>30/04/21</a:t>
             </a:fld>
             <a:endParaRPr lang="en-US"/>
           </a:p>
@@ -1882,7 +1884,7 @@
           <a:p>
             <a:fld id="{8C547951-7935-414E-96AB-1778767871F6}" type="datetimeFigureOut">
               <a:rPr lang="en-US" smtClean="0"/>
-              <a:t>18/06/20</a:t>
+              <a:t>30/04/21</a:t>
             </a:fld>
             <a:endParaRPr lang="en-US"/>
           </a:p>
@@ -1977,7 +1979,7 @@
           <a:p>
             <a:fld id="{8C547951-7935-414E-96AB-1778767871F6}" type="datetimeFigureOut">
               <a:rPr lang="en-US" smtClean="0"/>
-              <a:t>18/06/20</a:t>
+              <a:t>30/04/21</a:t>
             </a:fld>
             <a:endParaRPr lang="en-US"/>
           </a:p>
@@ -2254,7 +2256,7 @@
           <a:p>
             <a:fld id="{8C547951-7935-414E-96AB-1778767871F6}" type="datetimeFigureOut">
               <a:rPr lang="en-US" smtClean="0"/>
-              <a:t>18/06/20</a:t>
+              <a:t>30/04/21</a:t>
             </a:fld>
             <a:endParaRPr lang="en-US"/>
           </a:p>
@@ -2507,7 +2509,7 @@
           <a:p>
             <a:fld id="{8C547951-7935-414E-96AB-1778767871F6}" type="datetimeFigureOut">
               <a:rPr lang="en-US" smtClean="0"/>
-              <a:t>18/06/20</a:t>
+              <a:t>30/04/21</a:t>
             </a:fld>
             <a:endParaRPr lang="en-US"/>
           </a:p>
@@ -2720,7 +2722,7 @@
           <a:p>
             <a:fld id="{8C547951-7935-414E-96AB-1778767871F6}" type="datetimeFigureOut">
               <a:rPr lang="en-US" smtClean="0"/>
-              <a:t>18/06/20</a:t>
+              <a:t>30/04/21</a:t>
             </a:fld>
             <a:endParaRPr lang="en-US"/>
           </a:p>
@@ -5484,6 +5486,5592 @@
     <p:extLst>
       <p:ext uri="{BB962C8B-B14F-4D97-AF65-F5344CB8AC3E}">
         <p14:creationId xmlns:p14="http://schemas.microsoft.com/office/powerpoint/2010/main" val="366389760"/>
+      </p:ext>
+    </p:extLst>
+  </p:cSld>
+  <p:clrMapOvr>
+    <a:masterClrMapping/>
+  </p:clrMapOvr>
+  <p:timing>
+    <p:tnLst>
+      <p:par>
+        <p:cTn xmlns:p14="http://schemas.microsoft.com/office/powerpoint/2010/main" id="1" dur="indefinite" restart="never" nodeType="tmRoot"/>
+      </p:par>
+    </p:tnLst>
+  </p:timing>
+</p:sld>
+</file>
+
+<file path=ppt/slides/slide2.xml><?xml version="1.0" encoding="utf-8"?>
+<p:sld xmlns:a="http://schemas.openxmlformats.org/drawingml/2006/main" xmlns:r="http://schemas.openxmlformats.org/officeDocument/2006/relationships" xmlns:p="http://schemas.openxmlformats.org/presentationml/2006/main">
+  <p:cSld>
+    <p:spTree>
+      <p:nvGrpSpPr>
+        <p:cNvPr id="1" name=""/>
+        <p:cNvGrpSpPr/>
+        <p:nvPr/>
+      </p:nvGrpSpPr>
+      <p:grpSpPr>
+        <a:xfrm>
+          <a:off x="0" y="0"/>
+          <a:ext cx="0" cy="0"/>
+          <a:chOff x="0" y="0"/>
+          <a:chExt cx="0" cy="0"/>
+        </a:xfrm>
+      </p:grpSpPr>
+      <p:sp>
+        <p:nvSpPr>
+          <p:cNvPr id="119" name="TextBox 118"/>
+          <p:cNvSpPr txBox="1"/>
+          <p:nvPr/>
+        </p:nvSpPr>
+        <p:spPr>
+          <a:xfrm>
+            <a:off x="1491158" y="3139278"/>
+            <a:ext cx="6149438" cy="2697578"/>
+          </a:xfrm>
+          <a:prstGeom prst="rect">
+            <a:avLst/>
+          </a:prstGeom>
+          <a:solidFill>
+            <a:srgbClr val="400080">
+              <a:alpha val="5000"/>
+            </a:srgbClr>
+          </a:solidFill>
+          <a:ln>
+            <a:solidFill>
+              <a:srgbClr val="400080"/>
+            </a:solidFill>
+          </a:ln>
+        </p:spPr>
+        <p:txBody>
+          <a:bodyPr wrap="square" rtlCol="0">
+            <a:noAutofit/>
+          </a:bodyPr>
+          <a:lstStyle/>
+          <a:p>
+            <a:pPr eaLnBrk="0" fontAlgn="base" hangingPunct="0">
+              <a:spcAft>
+                <a:spcPts val="0"/>
+              </a:spcAft>
+            </a:pPr>
+            <a:endParaRPr lang="en-GB" sz="800" dirty="0" smtClean="0">
+              <a:effectLst/>
+              <a:latin typeface="Times New Roman"/>
+              <a:ea typeface="游明朝"/>
+            </a:endParaRPr>
+          </a:p>
+        </p:txBody>
+      </p:sp>
+      <p:sp>
+        <p:nvSpPr>
+          <p:cNvPr id="22" name="Right Arrow 21"/>
+          <p:cNvSpPr/>
+          <p:nvPr/>
+        </p:nvSpPr>
+        <p:spPr bwMode="auto">
+          <a:xfrm>
+            <a:off x="1251002" y="1823827"/>
+            <a:ext cx="6811007" cy="551180"/>
+          </a:xfrm>
+          <a:prstGeom prst="rightArrow">
+            <a:avLst/>
+          </a:prstGeom>
+          <a:solidFill>
+            <a:srgbClr val="0F80FF">
+              <a:alpha val="50000"/>
+            </a:srgbClr>
+          </a:solidFill>
+          <a:ln w="9525" cap="flat" cmpd="sng" algn="ctr">
+            <a:solidFill>
+              <a:srgbClr val="0F80FF"/>
+            </a:solidFill>
+            <a:prstDash val="solid"/>
+            <a:round/>
+            <a:headEnd type="none" w="med" len="med"/>
+            <a:tailEnd type="none" w="med" len="med"/>
+          </a:ln>
+          <a:effectLst/>
+          <a:extLst/>
+        </p:spPr>
+        <p:txBody>
+          <a:bodyPr rot="0" spcFirstLastPara="0" vert="horz" wrap="square" lIns="91440" tIns="45720" rIns="91440" bIns="45720" numCol="1" spcCol="0" rtlCol="0" fromWordArt="0" anchor="t" anchorCtr="0" forceAA="0" compatLnSpc="1">
+            <a:prstTxWarp prst="textNoShape">
+              <a:avLst/>
+            </a:prstTxWarp>
+            <a:noAutofit/>
+          </a:bodyPr>
+          <a:lstStyle/>
+          <a:p>
+            <a:pPr algn="ctr"/>
+            <a:r>
+              <a:rPr lang="en-US" sz="800" b="1" dirty="0" err="1" smtClean="0">
+                <a:solidFill>
+                  <a:srgbClr val="0F80FF"/>
+                </a:solidFill>
+              </a:rPr>
+              <a:t>target_name</a:t>
+            </a:r>
+            <a:endParaRPr lang="en-US" sz="800" b="1" dirty="0">
+              <a:solidFill>
+                <a:srgbClr val="0F80FF"/>
+              </a:solidFill>
+            </a:endParaRPr>
+          </a:p>
+        </p:txBody>
+      </p:sp>
+      <p:sp>
+        <p:nvSpPr>
+          <p:cNvPr id="24" name="Chevron 23"/>
+          <p:cNvSpPr/>
+          <p:nvPr/>
+        </p:nvSpPr>
+        <p:spPr bwMode="auto">
+          <a:xfrm rot="10800000" flipH="1">
+            <a:off x="2148186" y="1961670"/>
+            <a:ext cx="1018330" cy="275590"/>
+          </a:xfrm>
+          <a:prstGeom prst="chevron">
+            <a:avLst/>
+          </a:prstGeom>
+          <a:solidFill>
+            <a:schemeClr val="accent1">
+              <a:lumMod val="50000"/>
+              <a:alpha val="50000"/>
+            </a:schemeClr>
+          </a:solidFill>
+          <a:ln w="9525" cap="flat" cmpd="sng" algn="ctr">
+            <a:solidFill>
+              <a:schemeClr val="accent1">
+                <a:lumMod val="50000"/>
+              </a:schemeClr>
+            </a:solidFill>
+            <a:prstDash val="solid"/>
+            <a:round/>
+            <a:headEnd type="none" w="med" len="med"/>
+            <a:tailEnd type="none" w="med" len="med"/>
+          </a:ln>
+          <a:effectLst/>
+          <a:extLst/>
+        </p:spPr>
+        <p:txBody>
+          <a:bodyPr rot="0" spcFirstLastPara="0" vert="horz" wrap="square" lIns="91440" tIns="45720" rIns="91440" bIns="45720" numCol="1" spcCol="0" rtlCol="0" fromWordArt="0" anchor="t" anchorCtr="0" forceAA="0" compatLnSpc="1">
+            <a:prstTxWarp prst="textNoShape">
+              <a:avLst/>
+            </a:prstTxWarp>
+            <a:noAutofit/>
+          </a:bodyPr>
+          <a:lstStyle/>
+          <a:p>
+            <a:endParaRPr lang="en-US" sz="800" dirty="0"/>
+          </a:p>
+        </p:txBody>
+      </p:sp>
+      <p:sp>
+        <p:nvSpPr>
+          <p:cNvPr id="25" name="TextBox 24"/>
+          <p:cNvSpPr txBox="1"/>
+          <p:nvPr/>
+        </p:nvSpPr>
+        <p:spPr>
+          <a:xfrm>
+            <a:off x="2235009" y="1983926"/>
+            <a:ext cx="954107" cy="215444"/>
+          </a:xfrm>
+          <a:prstGeom prst="rect">
+            <a:avLst/>
+          </a:prstGeom>
+          <a:noFill/>
+          <a:ln>
+            <a:noFill/>
+          </a:ln>
+        </p:spPr>
+        <p:txBody>
+          <a:bodyPr wrap="none" rtlCol="0">
+            <a:spAutoFit/>
+          </a:bodyPr>
+          <a:lstStyle/>
+          <a:p>
+            <a:pPr eaLnBrk="0" fontAlgn="base" hangingPunct="0">
+              <a:spcAft>
+                <a:spcPts val="0"/>
+              </a:spcAft>
+            </a:pPr>
+            <a:r>
+              <a:rPr lang="en-GB" sz="800" b="1" kern="1200" dirty="0" err="1">
+                <a:solidFill>
+                  <a:schemeClr val="accent1">
+                    <a:lumMod val="50000"/>
+                  </a:schemeClr>
+                </a:solidFill>
+                <a:effectLst/>
+                <a:latin typeface="Arial"/>
+                <a:ea typeface="MS PGothic"/>
+                <a:cs typeface="Times New Roman"/>
+              </a:rPr>
+              <a:t>forward_primer</a:t>
+            </a:r>
+            <a:endParaRPr lang="en-GB" sz="800" dirty="0">
+              <a:solidFill>
+                <a:schemeClr val="accent1">
+                  <a:lumMod val="50000"/>
+                </a:schemeClr>
+              </a:solidFill>
+              <a:effectLst/>
+              <a:latin typeface="Times New Roman"/>
+              <a:ea typeface="游明朝"/>
+            </a:endParaRPr>
+          </a:p>
+        </p:txBody>
+      </p:sp>
+      <p:cxnSp>
+        <p:nvCxnSpPr>
+          <p:cNvPr id="26" name="Straight Arrow Connector 25"/>
+          <p:cNvCxnSpPr/>
+          <p:nvPr/>
+        </p:nvCxnSpPr>
+        <p:spPr bwMode="auto">
+          <a:xfrm>
+            <a:off x="2148185" y="1953854"/>
+            <a:ext cx="0" cy="427503"/>
+          </a:xfrm>
+          <a:prstGeom prst="straightConnector1">
+            <a:avLst/>
+          </a:prstGeom>
+          <a:solidFill>
+            <a:srgbClr val="00B8FF"/>
+          </a:solidFill>
+          <a:ln w="12700" cap="flat" cmpd="sng" algn="ctr">
+            <a:solidFill>
+              <a:schemeClr val="accent1">
+                <a:lumMod val="50000"/>
+              </a:schemeClr>
+            </a:solidFill>
+            <a:prstDash val="solid"/>
+            <a:round/>
+            <a:headEnd type="none" w="med" len="med"/>
+            <a:tailEnd type="triangle"/>
+          </a:ln>
+          <a:effectLst/>
+          <a:extLst>
+            <a:ext uri="{AF507438-7753-43e0-B8FC-AC1667EBCBE1}">
+              <a14:hiddenEffects xmlns:a14="http://schemas.microsoft.com/office/drawing/2010/main">
+                <a:effectLst>
+                  <a:outerShdw dist="35921" dir="2700000" algn="ctr" rotWithShape="0">
+                    <a:schemeClr val="bg2"/>
+                  </a:outerShdw>
+                </a:effectLst>
+              </a14:hiddenEffects>
+            </a:ext>
+          </a:extLst>
+        </p:spPr>
+      </p:cxnSp>
+      <p:cxnSp>
+        <p:nvCxnSpPr>
+          <p:cNvPr id="29" name="Straight Arrow Connector 28"/>
+          <p:cNvCxnSpPr>
+            <a:endCxn id="66" idx="0"/>
+          </p:cNvCxnSpPr>
+          <p:nvPr/>
+        </p:nvCxnSpPr>
+        <p:spPr bwMode="auto">
+          <a:xfrm>
+            <a:off x="3166516" y="1953854"/>
+            <a:ext cx="0" cy="606571"/>
+          </a:xfrm>
+          <a:prstGeom prst="straightConnector1">
+            <a:avLst/>
+          </a:prstGeom>
+          <a:solidFill>
+            <a:srgbClr val="00B8FF"/>
+          </a:solidFill>
+          <a:ln w="12700" cap="flat" cmpd="sng" algn="ctr">
+            <a:solidFill>
+              <a:schemeClr val="accent1">
+                <a:lumMod val="50000"/>
+              </a:schemeClr>
+            </a:solidFill>
+            <a:prstDash val="solid"/>
+            <a:round/>
+            <a:headEnd type="none" w="med" len="med"/>
+            <a:tailEnd type="triangle"/>
+          </a:ln>
+          <a:effectLst/>
+          <a:extLst>
+            <a:ext uri="{AF507438-7753-43e0-B8FC-AC1667EBCBE1}">
+              <a14:hiddenEffects xmlns:a14="http://schemas.microsoft.com/office/drawing/2010/main">
+                <a:effectLst>
+                  <a:outerShdw dist="35921" dir="2700000" algn="ctr" rotWithShape="0">
+                    <a:schemeClr val="bg2"/>
+                  </a:outerShdw>
+                </a:effectLst>
+              </a14:hiddenEffects>
+            </a:ext>
+          </a:extLst>
+        </p:spPr>
+      </p:cxnSp>
+      <p:sp>
+        <p:nvSpPr>
+          <p:cNvPr id="30" name="Chevron 29"/>
+          <p:cNvSpPr/>
+          <p:nvPr/>
+        </p:nvSpPr>
+        <p:spPr bwMode="auto">
+          <a:xfrm rot="10800000">
+            <a:off x="5962729" y="1961670"/>
+            <a:ext cx="983141" cy="275590"/>
+          </a:xfrm>
+          <a:prstGeom prst="chevron">
+            <a:avLst/>
+          </a:prstGeom>
+          <a:solidFill>
+            <a:srgbClr val="254061">
+              <a:alpha val="50000"/>
+            </a:srgbClr>
+          </a:solidFill>
+          <a:ln w="9525" cap="flat" cmpd="sng" algn="ctr">
+            <a:solidFill>
+              <a:srgbClr val="254061"/>
+            </a:solidFill>
+            <a:prstDash val="solid"/>
+            <a:round/>
+            <a:headEnd type="none" w="med" len="med"/>
+            <a:tailEnd type="none" w="med" len="med"/>
+          </a:ln>
+          <a:effectLst/>
+          <a:extLst/>
+        </p:spPr>
+        <p:txBody>
+          <a:bodyPr rot="0" spcFirstLastPara="0" vert="horz" wrap="square" lIns="91440" tIns="45720" rIns="91440" bIns="45720" numCol="1" spcCol="0" rtlCol="0" fromWordArt="0" anchor="t" anchorCtr="0" forceAA="0" compatLnSpc="1">
+            <a:prstTxWarp prst="textNoShape">
+              <a:avLst/>
+            </a:prstTxWarp>
+            <a:noAutofit/>
+          </a:bodyPr>
+          <a:lstStyle/>
+          <a:p>
+            <a:endParaRPr lang="en-US" sz="800"/>
+          </a:p>
+        </p:txBody>
+      </p:sp>
+      <p:sp>
+        <p:nvSpPr>
+          <p:cNvPr id="31" name="TextBox 30"/>
+          <p:cNvSpPr txBox="1"/>
+          <p:nvPr/>
+        </p:nvSpPr>
+        <p:spPr>
+          <a:xfrm>
+            <a:off x="5948486" y="1983926"/>
+            <a:ext cx="941283" cy="215444"/>
+          </a:xfrm>
+          <a:prstGeom prst="rect">
+            <a:avLst/>
+          </a:prstGeom>
+          <a:noFill/>
+          <a:ln>
+            <a:noFill/>
+          </a:ln>
+        </p:spPr>
+        <p:txBody>
+          <a:bodyPr wrap="none" rtlCol="0">
+            <a:spAutoFit/>
+          </a:bodyPr>
+          <a:lstStyle/>
+          <a:p>
+            <a:pPr eaLnBrk="0" fontAlgn="base" hangingPunct="0">
+              <a:spcAft>
+                <a:spcPts val="0"/>
+              </a:spcAft>
+            </a:pPr>
+            <a:r>
+              <a:rPr lang="en-GB" sz="800" b="1" kern="1200" dirty="0" err="1">
+                <a:solidFill>
+                  <a:schemeClr val="accent1">
+                    <a:lumMod val="50000"/>
+                  </a:schemeClr>
+                </a:solidFill>
+                <a:effectLst/>
+                <a:latin typeface="Arial"/>
+                <a:ea typeface="MS PGothic"/>
+                <a:cs typeface="Times New Roman"/>
+              </a:rPr>
+              <a:t>reverse_primer</a:t>
+            </a:r>
+            <a:endParaRPr lang="en-GB" sz="800" dirty="0">
+              <a:solidFill>
+                <a:schemeClr val="accent1">
+                  <a:lumMod val="50000"/>
+                </a:schemeClr>
+              </a:solidFill>
+              <a:effectLst/>
+              <a:latin typeface="Times New Roman"/>
+              <a:ea typeface="游明朝"/>
+            </a:endParaRPr>
+          </a:p>
+        </p:txBody>
+      </p:sp>
+      <p:cxnSp>
+        <p:nvCxnSpPr>
+          <p:cNvPr id="32" name="Straight Arrow Connector 31"/>
+          <p:cNvCxnSpPr/>
+          <p:nvPr/>
+        </p:nvCxnSpPr>
+        <p:spPr bwMode="auto">
+          <a:xfrm>
+            <a:off x="5950092" y="1953854"/>
+            <a:ext cx="0" cy="427503"/>
+          </a:xfrm>
+          <a:prstGeom prst="straightConnector1">
+            <a:avLst/>
+          </a:prstGeom>
+          <a:solidFill>
+            <a:srgbClr val="00B8FF"/>
+          </a:solidFill>
+          <a:ln w="12700" cap="flat" cmpd="sng" algn="ctr">
+            <a:solidFill>
+              <a:srgbClr val="254061"/>
+            </a:solidFill>
+            <a:prstDash val="solid"/>
+            <a:round/>
+            <a:headEnd type="none" w="med" len="med"/>
+            <a:tailEnd type="triangle"/>
+          </a:ln>
+          <a:effectLst/>
+          <a:extLst>
+            <a:ext uri="{AF507438-7753-43e0-B8FC-AC1667EBCBE1}">
+              <a14:hiddenEffects xmlns:a14="http://schemas.microsoft.com/office/drawing/2010/main">
+                <a:effectLst>
+                  <a:outerShdw dist="35921" dir="2700000" algn="ctr" rotWithShape="0">
+                    <a:schemeClr val="bg2"/>
+                  </a:outerShdw>
+                </a:effectLst>
+              </a14:hiddenEffects>
+            </a:ext>
+          </a:extLst>
+        </p:spPr>
+      </p:cxnSp>
+      <p:cxnSp>
+        <p:nvCxnSpPr>
+          <p:cNvPr id="35" name="Straight Arrow Connector 34"/>
+          <p:cNvCxnSpPr>
+            <a:endCxn id="69" idx="0"/>
+          </p:cNvCxnSpPr>
+          <p:nvPr/>
+        </p:nvCxnSpPr>
+        <p:spPr bwMode="auto">
+          <a:xfrm>
+            <a:off x="6945870" y="1953854"/>
+            <a:ext cx="1" cy="606571"/>
+          </a:xfrm>
+          <a:prstGeom prst="straightConnector1">
+            <a:avLst/>
+          </a:prstGeom>
+          <a:solidFill>
+            <a:srgbClr val="00B8FF"/>
+          </a:solidFill>
+          <a:ln w="12700" cap="flat" cmpd="sng" algn="ctr">
+            <a:solidFill>
+              <a:srgbClr val="254061"/>
+            </a:solidFill>
+            <a:prstDash val="solid"/>
+            <a:round/>
+            <a:headEnd type="none" w="med" len="med"/>
+            <a:tailEnd type="triangle"/>
+          </a:ln>
+          <a:effectLst/>
+          <a:extLst>
+            <a:ext uri="{AF507438-7753-43e0-B8FC-AC1667EBCBE1}">
+              <a14:hiddenEffects xmlns:a14="http://schemas.microsoft.com/office/drawing/2010/main">
+                <a:effectLst>
+                  <a:outerShdw dist="35921" dir="2700000" algn="ctr" rotWithShape="0">
+                    <a:schemeClr val="bg2"/>
+                  </a:outerShdw>
+                </a:effectLst>
+              </a14:hiddenEffects>
+            </a:ext>
+          </a:extLst>
+        </p:spPr>
+      </p:cxnSp>
+      <p:sp>
+        <p:nvSpPr>
+          <p:cNvPr id="37" name="TextBox 36"/>
+          <p:cNvSpPr txBox="1"/>
+          <p:nvPr/>
+        </p:nvSpPr>
+        <p:spPr>
+          <a:xfrm>
+            <a:off x="7706783" y="2374216"/>
+            <a:ext cx="710451" cy="215444"/>
+          </a:xfrm>
+          <a:prstGeom prst="rect">
+            <a:avLst/>
+          </a:prstGeom>
+          <a:noFill/>
+        </p:spPr>
+        <p:txBody>
+          <a:bodyPr wrap="none" rtlCol="0">
+            <a:spAutoFit/>
+          </a:bodyPr>
+          <a:lstStyle/>
+          <a:p>
+            <a:pPr algn="ctr" eaLnBrk="0" fontAlgn="base" hangingPunct="0">
+              <a:spcAft>
+                <a:spcPts val="0"/>
+              </a:spcAft>
+            </a:pPr>
+            <a:r>
+              <a:rPr lang="en-GB" sz="800" b="1" dirty="0" err="1">
+                <a:solidFill>
+                  <a:srgbClr val="0F80FF"/>
+                </a:solidFill>
+                <a:latin typeface="Arial"/>
+                <a:ea typeface="MS PGothic"/>
+                <a:cs typeface="Times New Roman"/>
+              </a:rPr>
+              <a:t>t</a:t>
+            </a:r>
+            <a:r>
+              <a:rPr lang="en-GB" sz="800" b="1" kern="1200" dirty="0" err="1" smtClean="0">
+                <a:solidFill>
+                  <a:srgbClr val="0F80FF"/>
+                </a:solidFill>
+                <a:effectLst/>
+                <a:latin typeface="Arial"/>
+                <a:ea typeface="MS PGothic"/>
+                <a:cs typeface="Times New Roman"/>
+              </a:rPr>
+              <a:t>arget_end</a:t>
+            </a:r>
+            <a:endParaRPr lang="en-GB" sz="800" b="1" dirty="0">
+              <a:solidFill>
+                <a:srgbClr val="0F80FF"/>
+              </a:solidFill>
+              <a:effectLst/>
+              <a:latin typeface="Times New Roman"/>
+              <a:ea typeface="游明朝"/>
+            </a:endParaRPr>
+          </a:p>
+        </p:txBody>
+      </p:sp>
+      <p:cxnSp>
+        <p:nvCxnSpPr>
+          <p:cNvPr id="39" name="Straight Arrow Connector 38"/>
+          <p:cNvCxnSpPr>
+            <a:endCxn id="37" idx="0"/>
+          </p:cNvCxnSpPr>
+          <p:nvPr/>
+        </p:nvCxnSpPr>
+        <p:spPr bwMode="auto">
+          <a:xfrm>
+            <a:off x="8062009" y="2004654"/>
+            <a:ext cx="0" cy="369562"/>
+          </a:xfrm>
+          <a:prstGeom prst="straightConnector1">
+            <a:avLst/>
+          </a:prstGeom>
+          <a:solidFill>
+            <a:srgbClr val="00B8FF"/>
+          </a:solidFill>
+          <a:ln w="12700" cap="flat" cmpd="sng" algn="ctr">
+            <a:solidFill>
+              <a:srgbClr val="0F80FF"/>
+            </a:solidFill>
+            <a:prstDash val="solid"/>
+            <a:round/>
+            <a:headEnd type="none" w="med" len="med"/>
+            <a:tailEnd type="triangle"/>
+          </a:ln>
+          <a:effectLst/>
+          <a:extLst>
+            <a:ext uri="{AF507438-7753-43e0-B8FC-AC1667EBCBE1}">
+              <a14:hiddenEffects xmlns:a14="http://schemas.microsoft.com/office/drawing/2010/main">
+                <a:effectLst>
+                  <a:outerShdw dist="35921" dir="2700000" algn="ctr" rotWithShape="0">
+                    <a:schemeClr val="bg2"/>
+                  </a:outerShdw>
+                </a:effectLst>
+              </a14:hiddenEffects>
+            </a:ext>
+          </a:extLst>
+        </p:spPr>
+      </p:cxnSp>
+      <p:sp>
+        <p:nvSpPr>
+          <p:cNvPr id="40" name="TextBox 39"/>
+          <p:cNvSpPr txBox="1"/>
+          <p:nvPr/>
+        </p:nvSpPr>
+        <p:spPr>
+          <a:xfrm>
+            <a:off x="1208559" y="1308750"/>
+            <a:ext cx="1279166" cy="215444"/>
+          </a:xfrm>
+          <a:prstGeom prst="rect">
+            <a:avLst/>
+          </a:prstGeom>
+          <a:noFill/>
+        </p:spPr>
+        <p:txBody>
+          <a:bodyPr wrap="none" rtlCol="0">
+            <a:spAutoFit/>
+          </a:bodyPr>
+          <a:lstStyle/>
+          <a:p>
+            <a:pPr eaLnBrk="0" fontAlgn="base" hangingPunct="0">
+              <a:spcAft>
+                <a:spcPts val="0"/>
+              </a:spcAft>
+            </a:pPr>
+            <a:r>
+              <a:rPr lang="en-GB" sz="800" b="1" kern="1200" dirty="0" err="1" smtClean="0">
+                <a:solidFill>
+                  <a:srgbClr val="000000"/>
+                </a:solidFill>
+                <a:effectLst/>
+                <a:latin typeface="Arial"/>
+                <a:ea typeface="MS PGothic"/>
+                <a:cs typeface="Times New Roman"/>
+              </a:rPr>
+              <a:t>target_strand</a:t>
+            </a:r>
+            <a:r>
+              <a:rPr lang="en-GB" sz="800" b="1" kern="1200" dirty="0" smtClean="0">
+                <a:solidFill>
+                  <a:srgbClr val="000000"/>
+                </a:solidFill>
+                <a:effectLst/>
+                <a:latin typeface="Arial"/>
+                <a:ea typeface="MS PGothic"/>
+                <a:cs typeface="Times New Roman"/>
+              </a:rPr>
+              <a:t>: forward </a:t>
+            </a:r>
+            <a:endParaRPr lang="en-GB" sz="800" dirty="0">
+              <a:effectLst/>
+              <a:latin typeface="Times New Roman"/>
+              <a:ea typeface="游明朝"/>
+            </a:endParaRPr>
+          </a:p>
+        </p:txBody>
+      </p:sp>
+      <p:sp>
+        <p:nvSpPr>
+          <p:cNvPr id="41" name="TextBox 40"/>
+          <p:cNvSpPr txBox="1"/>
+          <p:nvPr/>
+        </p:nvSpPr>
+        <p:spPr>
+          <a:xfrm>
+            <a:off x="3641085" y="2374216"/>
+            <a:ext cx="915635" cy="338554"/>
+          </a:xfrm>
+          <a:prstGeom prst="rect">
+            <a:avLst/>
+          </a:prstGeom>
+          <a:noFill/>
+        </p:spPr>
+        <p:txBody>
+          <a:bodyPr wrap="none" rtlCol="0">
+            <a:spAutoFit/>
+          </a:bodyPr>
+          <a:lstStyle/>
+          <a:p>
+            <a:pPr algn="ctr" eaLnBrk="0" fontAlgn="base" hangingPunct="0">
+              <a:spcAft>
+                <a:spcPts val="0"/>
+              </a:spcAft>
+            </a:pPr>
+            <a:r>
+              <a:rPr lang="en-GB" sz="800" b="1" kern="1200" dirty="0" err="1" smtClean="0">
+                <a:solidFill>
+                  <a:schemeClr val="accent5">
+                    <a:lumMod val="75000"/>
+                  </a:schemeClr>
+                </a:solidFill>
+                <a:effectLst/>
+                <a:latin typeface="Arial"/>
+                <a:ea typeface="MS PGothic"/>
+                <a:cs typeface="Times New Roman"/>
+              </a:rPr>
+              <a:t>guide_location</a:t>
+            </a:r>
+            <a:endParaRPr lang="en-GB" sz="800" b="1" dirty="0">
+              <a:solidFill>
+                <a:schemeClr val="accent5">
+                  <a:lumMod val="75000"/>
+                </a:schemeClr>
+              </a:solidFill>
+              <a:effectLst/>
+              <a:latin typeface="Times New Roman"/>
+              <a:ea typeface="游明朝"/>
+            </a:endParaRPr>
+          </a:p>
+          <a:p>
+            <a:pPr algn="ctr" eaLnBrk="0" fontAlgn="base" hangingPunct="0">
+              <a:spcAft>
+                <a:spcPts val="0"/>
+              </a:spcAft>
+            </a:pPr>
+            <a:r>
+              <a:rPr lang="en-GB" sz="800" b="1" dirty="0" smtClean="0">
+                <a:solidFill>
+                  <a:schemeClr val="accent5">
+                    <a:lumMod val="75000"/>
+                  </a:schemeClr>
+                </a:solidFill>
+                <a:latin typeface="Arial"/>
+                <a:ea typeface="MS PGothic"/>
+                <a:cs typeface="Times New Roman"/>
+              </a:rPr>
+              <a:t>“</a:t>
+            </a:r>
+            <a:r>
+              <a:rPr lang="en-GB" sz="800" b="1" kern="1200" dirty="0" smtClean="0">
+                <a:solidFill>
+                  <a:schemeClr val="accent5">
+                    <a:lumMod val="75000"/>
+                  </a:schemeClr>
+                </a:solidFill>
+                <a:effectLst/>
+                <a:latin typeface="Arial"/>
+                <a:ea typeface="MS PGothic"/>
+                <a:cs typeface="Times New Roman"/>
+              </a:rPr>
+              <a:t>cutting site”</a:t>
+            </a:r>
+            <a:endParaRPr lang="en-GB" sz="800" b="1" dirty="0">
+              <a:solidFill>
+                <a:schemeClr val="accent5">
+                  <a:lumMod val="75000"/>
+                </a:schemeClr>
+              </a:solidFill>
+              <a:effectLst/>
+              <a:latin typeface="Times New Roman"/>
+              <a:ea typeface="游明朝"/>
+            </a:endParaRPr>
+          </a:p>
+        </p:txBody>
+      </p:sp>
+      <p:cxnSp>
+        <p:nvCxnSpPr>
+          <p:cNvPr id="42" name="Straight Arrow Connector 41"/>
+          <p:cNvCxnSpPr/>
+          <p:nvPr/>
+        </p:nvCxnSpPr>
+        <p:spPr bwMode="auto">
+          <a:xfrm>
+            <a:off x="4098902" y="1953854"/>
+            <a:ext cx="0" cy="427503"/>
+          </a:xfrm>
+          <a:prstGeom prst="straightConnector1">
+            <a:avLst/>
+          </a:prstGeom>
+          <a:solidFill>
+            <a:srgbClr val="00B8FF"/>
+          </a:solidFill>
+          <a:ln w="12700" cap="flat" cmpd="sng" algn="ctr">
+            <a:solidFill>
+              <a:schemeClr val="accent5">
+                <a:lumMod val="75000"/>
+              </a:schemeClr>
+            </a:solidFill>
+            <a:prstDash val="solid"/>
+            <a:round/>
+            <a:headEnd type="none" w="med" len="med"/>
+            <a:tailEnd type="triangle"/>
+          </a:ln>
+          <a:effectLst/>
+          <a:extLst>
+            <a:ext uri="{AF507438-7753-43e0-B8FC-AC1667EBCBE1}">
+              <a14:hiddenEffects xmlns:a14="http://schemas.microsoft.com/office/drawing/2010/main">
+                <a:effectLst>
+                  <a:outerShdw dist="35921" dir="2700000" algn="ctr" rotWithShape="0">
+                    <a:schemeClr val="bg2"/>
+                  </a:outerShdw>
+                </a:effectLst>
+              </a14:hiddenEffects>
+            </a:ext>
+          </a:extLst>
+        </p:spPr>
+      </p:cxnSp>
+      <p:sp>
+        <p:nvSpPr>
+          <p:cNvPr id="44" name="TextBox 43"/>
+          <p:cNvSpPr txBox="1"/>
+          <p:nvPr/>
+        </p:nvSpPr>
+        <p:spPr>
+          <a:xfrm>
+            <a:off x="3689644" y="1716105"/>
+            <a:ext cx="787395" cy="215444"/>
+          </a:xfrm>
+          <a:prstGeom prst="rect">
+            <a:avLst/>
+          </a:prstGeom>
+          <a:solidFill>
+            <a:schemeClr val="accent5">
+              <a:lumMod val="75000"/>
+              <a:alpha val="50000"/>
+            </a:schemeClr>
+          </a:solidFill>
+          <a:ln>
+            <a:solidFill>
+              <a:schemeClr val="accent5">
+                <a:lumMod val="75000"/>
+              </a:schemeClr>
+            </a:solidFill>
+          </a:ln>
+        </p:spPr>
+        <p:txBody>
+          <a:bodyPr wrap="none" rtlCol="0">
+            <a:spAutoFit/>
+          </a:bodyPr>
+          <a:lstStyle/>
+          <a:p>
+            <a:pPr eaLnBrk="0" fontAlgn="base" hangingPunct="0">
+              <a:spcAft>
+                <a:spcPts val="0"/>
+              </a:spcAft>
+            </a:pPr>
+            <a:r>
+              <a:rPr lang="en-GB" sz="800" b="1" kern="1200" dirty="0" err="1">
+                <a:solidFill>
+                  <a:schemeClr val="accent5">
+                    <a:lumMod val="50000"/>
+                  </a:schemeClr>
+                </a:solidFill>
+                <a:effectLst/>
+                <a:latin typeface="Arial"/>
+                <a:ea typeface="MS PGothic"/>
+                <a:cs typeface="Times New Roman"/>
+              </a:rPr>
+              <a:t>guide_name</a:t>
+            </a:r>
+            <a:endParaRPr lang="en-GB" sz="800" dirty="0">
+              <a:solidFill>
+                <a:schemeClr val="accent5">
+                  <a:lumMod val="50000"/>
+                </a:schemeClr>
+              </a:solidFill>
+              <a:effectLst/>
+              <a:latin typeface="Times New Roman"/>
+              <a:ea typeface="游明朝"/>
+            </a:endParaRPr>
+          </a:p>
+        </p:txBody>
+      </p:sp>
+      <p:sp>
+        <p:nvSpPr>
+          <p:cNvPr id="45" name="TextBox 44"/>
+          <p:cNvSpPr txBox="1"/>
+          <p:nvPr/>
+        </p:nvSpPr>
+        <p:spPr>
+          <a:xfrm>
+            <a:off x="876439" y="2374216"/>
+            <a:ext cx="749123" cy="215444"/>
+          </a:xfrm>
+          <a:prstGeom prst="rect">
+            <a:avLst/>
+          </a:prstGeom>
+          <a:noFill/>
+        </p:spPr>
+        <p:txBody>
+          <a:bodyPr wrap="none" rtlCol="0">
+            <a:spAutoFit/>
+          </a:bodyPr>
+          <a:lstStyle/>
+          <a:p>
+            <a:pPr algn="ctr" eaLnBrk="0" fontAlgn="base" hangingPunct="0">
+              <a:spcAft>
+                <a:spcPts val="0"/>
+              </a:spcAft>
+            </a:pPr>
+            <a:r>
+              <a:rPr lang="en-GB" sz="800" b="1" dirty="0" err="1" smtClean="0">
+                <a:solidFill>
+                  <a:srgbClr val="0F80FF"/>
+                </a:solidFill>
+                <a:latin typeface="Arial"/>
+                <a:ea typeface="MS PGothic"/>
+                <a:cs typeface="Times New Roman"/>
+              </a:rPr>
+              <a:t>t</a:t>
+            </a:r>
+            <a:r>
+              <a:rPr lang="en-GB" sz="800" b="1" kern="1200" dirty="0" err="1" smtClean="0">
+                <a:solidFill>
+                  <a:srgbClr val="0F80FF"/>
+                </a:solidFill>
+                <a:effectLst/>
+                <a:latin typeface="Arial"/>
+                <a:ea typeface="MS PGothic"/>
+                <a:cs typeface="Times New Roman"/>
+              </a:rPr>
+              <a:t>arget_start</a:t>
+            </a:r>
+            <a:endParaRPr lang="en-GB" sz="800" b="1" dirty="0">
+              <a:solidFill>
+                <a:srgbClr val="0F80FF"/>
+              </a:solidFill>
+              <a:effectLst/>
+              <a:latin typeface="Times New Roman"/>
+              <a:ea typeface="游明朝"/>
+            </a:endParaRPr>
+          </a:p>
+        </p:txBody>
+      </p:sp>
+      <p:cxnSp>
+        <p:nvCxnSpPr>
+          <p:cNvPr id="46" name="Straight Arrow Connector 45"/>
+          <p:cNvCxnSpPr>
+            <a:endCxn id="45" idx="0"/>
+          </p:cNvCxnSpPr>
+          <p:nvPr/>
+        </p:nvCxnSpPr>
+        <p:spPr bwMode="auto">
+          <a:xfrm flipH="1">
+            <a:off x="1251001" y="1953854"/>
+            <a:ext cx="2" cy="420362"/>
+          </a:xfrm>
+          <a:prstGeom prst="straightConnector1">
+            <a:avLst/>
+          </a:prstGeom>
+          <a:solidFill>
+            <a:srgbClr val="00B8FF"/>
+          </a:solidFill>
+          <a:ln w="12700" cap="flat" cmpd="sng" algn="ctr">
+            <a:solidFill>
+              <a:srgbClr val="0F80FF"/>
+            </a:solidFill>
+            <a:prstDash val="solid"/>
+            <a:round/>
+            <a:headEnd type="none" w="med" len="med"/>
+            <a:tailEnd type="triangle"/>
+          </a:ln>
+          <a:effectLst/>
+          <a:extLst>
+            <a:ext uri="{AF507438-7753-43e0-B8FC-AC1667EBCBE1}">
+              <a14:hiddenEffects xmlns:a14="http://schemas.microsoft.com/office/drawing/2010/main">
+                <a:effectLst>
+                  <a:outerShdw dist="35921" dir="2700000" algn="ctr" rotWithShape="0">
+                    <a:schemeClr val="bg2"/>
+                  </a:outerShdw>
+                </a:effectLst>
+              </a14:hiddenEffects>
+            </a:ext>
+          </a:extLst>
+        </p:spPr>
+      </p:cxnSp>
+      <p:sp>
+        <p:nvSpPr>
+          <p:cNvPr id="64" name="Left Brace 63"/>
+          <p:cNvSpPr/>
+          <p:nvPr/>
+        </p:nvSpPr>
+        <p:spPr>
+          <a:xfrm rot="5400000">
+            <a:off x="4429328" y="-756949"/>
+            <a:ext cx="235400" cy="4797687"/>
+          </a:xfrm>
+          <a:prstGeom prst="leftBrace">
+            <a:avLst/>
+          </a:prstGeom>
+          <a:ln w="12700" cmpd="sng">
+            <a:solidFill>
+              <a:srgbClr val="400080"/>
+            </a:solidFill>
+          </a:ln>
+        </p:spPr>
+        <p:style>
+          <a:lnRef idx="2">
+            <a:schemeClr val="accent1"/>
+          </a:lnRef>
+          <a:fillRef idx="0">
+            <a:schemeClr val="accent1"/>
+          </a:fillRef>
+          <a:effectRef idx="1">
+            <a:schemeClr val="accent1"/>
+          </a:effectRef>
+          <a:fontRef idx="minor">
+            <a:schemeClr val="tx1"/>
+          </a:fontRef>
+        </p:style>
+        <p:txBody>
+          <a:bodyPr rtlCol="0" anchor="ctr"/>
+          <a:lstStyle/>
+          <a:p>
+            <a:pPr algn="ctr"/>
+            <a:endParaRPr lang="en-US" sz="800"/>
+          </a:p>
+        </p:txBody>
+      </p:sp>
+      <p:sp>
+        <p:nvSpPr>
+          <p:cNvPr id="66" name="TextBox 65"/>
+          <p:cNvSpPr txBox="1"/>
+          <p:nvPr/>
+        </p:nvSpPr>
+        <p:spPr>
+          <a:xfrm>
+            <a:off x="2578179" y="2560425"/>
+            <a:ext cx="1176674" cy="215444"/>
+          </a:xfrm>
+          <a:prstGeom prst="rect">
+            <a:avLst/>
+          </a:prstGeom>
+          <a:noFill/>
+        </p:spPr>
+        <p:txBody>
+          <a:bodyPr wrap="none" rtlCol="0">
+            <a:spAutoFit/>
+          </a:bodyPr>
+          <a:lstStyle/>
+          <a:p>
+            <a:pPr algn="ctr" eaLnBrk="0" fontAlgn="base" hangingPunct="0">
+              <a:spcAft>
+                <a:spcPts val="0"/>
+              </a:spcAft>
+            </a:pPr>
+            <a:r>
+              <a:rPr lang="en-GB" sz="800" b="1" dirty="0" err="1" smtClean="0">
+                <a:solidFill>
+                  <a:schemeClr val="accent1">
+                    <a:lumMod val="50000"/>
+                  </a:schemeClr>
+                </a:solidFill>
+                <a:latin typeface="Arial"/>
+                <a:ea typeface="MS PGothic"/>
+                <a:cs typeface="Times New Roman"/>
+              </a:rPr>
+              <a:t>forward_primer_end</a:t>
+            </a:r>
+            <a:endParaRPr lang="en-GB" sz="800" b="1" dirty="0">
+              <a:solidFill>
+                <a:schemeClr val="accent1">
+                  <a:lumMod val="50000"/>
+                </a:schemeClr>
+              </a:solidFill>
+              <a:effectLst/>
+              <a:latin typeface="Times New Roman"/>
+              <a:ea typeface="游明朝"/>
+            </a:endParaRPr>
+          </a:p>
+        </p:txBody>
+      </p:sp>
+      <p:sp>
+        <p:nvSpPr>
+          <p:cNvPr id="68" name="TextBox 67"/>
+          <p:cNvSpPr txBox="1"/>
+          <p:nvPr/>
+        </p:nvSpPr>
+        <p:spPr>
+          <a:xfrm>
+            <a:off x="5357434" y="2374216"/>
+            <a:ext cx="1210588" cy="215444"/>
+          </a:xfrm>
+          <a:prstGeom prst="rect">
+            <a:avLst/>
+          </a:prstGeom>
+          <a:noFill/>
+        </p:spPr>
+        <p:txBody>
+          <a:bodyPr wrap="none" rtlCol="0">
+            <a:spAutoFit/>
+          </a:bodyPr>
+          <a:lstStyle/>
+          <a:p>
+            <a:pPr algn="ctr" eaLnBrk="0" fontAlgn="base" hangingPunct="0">
+              <a:spcAft>
+                <a:spcPts val="0"/>
+              </a:spcAft>
+            </a:pPr>
+            <a:r>
+              <a:rPr lang="en-GB" sz="800" b="1" dirty="0" err="1" smtClean="0">
+                <a:solidFill>
+                  <a:schemeClr val="accent1">
+                    <a:lumMod val="50000"/>
+                  </a:schemeClr>
+                </a:solidFill>
+                <a:latin typeface="Arial"/>
+                <a:ea typeface="MS PGothic"/>
+                <a:cs typeface="Times New Roman"/>
+              </a:rPr>
+              <a:t>reverse_primer_start</a:t>
+            </a:r>
+            <a:endParaRPr lang="en-GB" sz="800" b="1" dirty="0">
+              <a:solidFill>
+                <a:schemeClr val="accent1">
+                  <a:lumMod val="50000"/>
+                </a:schemeClr>
+              </a:solidFill>
+              <a:effectLst/>
+              <a:latin typeface="Times New Roman"/>
+              <a:ea typeface="游明朝"/>
+            </a:endParaRPr>
+          </a:p>
+        </p:txBody>
+      </p:sp>
+      <p:sp>
+        <p:nvSpPr>
+          <p:cNvPr id="71" name="TextBox 70"/>
+          <p:cNvSpPr txBox="1"/>
+          <p:nvPr/>
+        </p:nvSpPr>
+        <p:spPr>
+          <a:xfrm>
+            <a:off x="4212302" y="1308750"/>
+            <a:ext cx="659155" cy="215444"/>
+          </a:xfrm>
+          <a:prstGeom prst="rect">
+            <a:avLst/>
+          </a:prstGeom>
+          <a:solidFill>
+            <a:srgbClr val="400080">
+              <a:alpha val="50000"/>
+            </a:srgbClr>
+          </a:solidFill>
+          <a:ln>
+            <a:solidFill>
+              <a:srgbClr val="400080"/>
+            </a:solidFill>
+          </a:ln>
+        </p:spPr>
+        <p:txBody>
+          <a:bodyPr wrap="none" rtlCol="0">
+            <a:spAutoFit/>
+          </a:bodyPr>
+          <a:lstStyle/>
+          <a:p>
+            <a:pPr eaLnBrk="0" fontAlgn="base" hangingPunct="0">
+              <a:spcAft>
+                <a:spcPts val="0"/>
+              </a:spcAft>
+            </a:pPr>
+            <a:r>
+              <a:rPr lang="en-GB" sz="800" b="1" dirty="0" err="1">
+                <a:solidFill>
+                  <a:srgbClr val="400080"/>
+                </a:solidFill>
+                <a:latin typeface="Arial"/>
+                <a:ea typeface="MS PGothic"/>
+                <a:cs typeface="Times New Roman"/>
+              </a:rPr>
+              <a:t>A</a:t>
+            </a:r>
+            <a:r>
+              <a:rPr lang="en-GB" sz="800" b="1" dirty="0" err="1" smtClean="0">
+                <a:solidFill>
+                  <a:srgbClr val="400080"/>
+                </a:solidFill>
+                <a:latin typeface="Arial"/>
+                <a:ea typeface="MS PGothic"/>
+                <a:cs typeface="Times New Roman"/>
+              </a:rPr>
+              <a:t>mplicon</a:t>
+            </a:r>
+            <a:endParaRPr lang="en-GB" sz="800" dirty="0">
+              <a:solidFill>
+                <a:srgbClr val="400080"/>
+              </a:solidFill>
+              <a:effectLst/>
+              <a:latin typeface="Times New Roman"/>
+              <a:ea typeface="游明朝"/>
+            </a:endParaRPr>
+          </a:p>
+        </p:txBody>
+      </p:sp>
+      <p:sp>
+        <p:nvSpPr>
+          <p:cNvPr id="107" name="object 15"/>
+          <p:cNvSpPr/>
+          <p:nvPr/>
+        </p:nvSpPr>
+        <p:spPr>
+          <a:xfrm>
+            <a:off x="2410023" y="3913928"/>
+            <a:ext cx="3260099" cy="136006"/>
+          </a:xfrm>
+          <a:custGeom>
+            <a:avLst/>
+            <a:gdLst/>
+            <a:ahLst/>
+            <a:cxnLst/>
+            <a:rect l="l" t="t" r="r" b="b"/>
+            <a:pathLst>
+              <a:path w="4334509" h="139700">
+                <a:moveTo>
+                  <a:pt x="4304652" y="0"/>
+                </a:moveTo>
+                <a:lnTo>
+                  <a:pt x="29248" y="0"/>
+                </a:lnTo>
+                <a:lnTo>
+                  <a:pt x="17895" y="2307"/>
+                </a:lnTo>
+                <a:lnTo>
+                  <a:pt x="8594" y="8589"/>
+                </a:lnTo>
+                <a:lnTo>
+                  <a:pt x="2309" y="17889"/>
+                </a:lnTo>
+                <a:lnTo>
+                  <a:pt x="0" y="29248"/>
+                </a:lnTo>
+                <a:lnTo>
+                  <a:pt x="0" y="110451"/>
+                </a:lnTo>
+                <a:lnTo>
+                  <a:pt x="2309" y="121810"/>
+                </a:lnTo>
+                <a:lnTo>
+                  <a:pt x="8594" y="131110"/>
+                </a:lnTo>
+                <a:lnTo>
+                  <a:pt x="17895" y="137392"/>
+                </a:lnTo>
+                <a:lnTo>
+                  <a:pt x="29248" y="139700"/>
+                </a:lnTo>
+                <a:lnTo>
+                  <a:pt x="4304652" y="139700"/>
+                </a:lnTo>
+                <a:lnTo>
+                  <a:pt x="4316010" y="137392"/>
+                </a:lnTo>
+                <a:lnTo>
+                  <a:pt x="4325310" y="131110"/>
+                </a:lnTo>
+                <a:lnTo>
+                  <a:pt x="4331593" y="121810"/>
+                </a:lnTo>
+                <a:lnTo>
+                  <a:pt x="4333900" y="110451"/>
+                </a:lnTo>
+                <a:lnTo>
+                  <a:pt x="4333900" y="29248"/>
+                </a:lnTo>
+                <a:lnTo>
+                  <a:pt x="4331593" y="17889"/>
+                </a:lnTo>
+                <a:lnTo>
+                  <a:pt x="4325310" y="8589"/>
+                </a:lnTo>
+                <a:lnTo>
+                  <a:pt x="4316010" y="2307"/>
+                </a:lnTo>
+                <a:lnTo>
+                  <a:pt x="4304652" y="0"/>
+                </a:lnTo>
+                <a:close/>
+              </a:path>
+            </a:pathLst>
+          </a:custGeom>
+          <a:solidFill>
+            <a:srgbClr val="E1A263"/>
+          </a:solidFill>
+          <a:ln>
+            <a:noFill/>
+          </a:ln>
+        </p:spPr>
+        <p:txBody>
+          <a:bodyPr wrap="square" lIns="0" tIns="0" rIns="0" bIns="0" rtlCol="0"/>
+          <a:lstStyle/>
+          <a:p>
+            <a:endParaRPr/>
+          </a:p>
+        </p:txBody>
+      </p:sp>
+      <p:sp>
+        <p:nvSpPr>
+          <p:cNvPr id="115" name="object 23"/>
+          <p:cNvSpPr/>
+          <p:nvPr/>
+        </p:nvSpPr>
+        <p:spPr>
+          <a:xfrm>
+            <a:off x="2410021" y="3711823"/>
+            <a:ext cx="3260101" cy="139700"/>
+          </a:xfrm>
+          <a:custGeom>
+            <a:avLst/>
+            <a:gdLst/>
+            <a:ahLst/>
+            <a:cxnLst/>
+            <a:rect l="l" t="t" r="r" b="b"/>
+            <a:pathLst>
+              <a:path w="4334509" h="139700">
+                <a:moveTo>
+                  <a:pt x="4304652" y="0"/>
+                </a:moveTo>
+                <a:lnTo>
+                  <a:pt x="29248" y="0"/>
+                </a:lnTo>
+                <a:lnTo>
+                  <a:pt x="17895" y="2307"/>
+                </a:lnTo>
+                <a:lnTo>
+                  <a:pt x="8594" y="8589"/>
+                </a:lnTo>
+                <a:lnTo>
+                  <a:pt x="2309" y="17889"/>
+                </a:lnTo>
+                <a:lnTo>
+                  <a:pt x="0" y="29248"/>
+                </a:lnTo>
+                <a:lnTo>
+                  <a:pt x="0" y="110451"/>
+                </a:lnTo>
+                <a:lnTo>
+                  <a:pt x="2309" y="121810"/>
+                </a:lnTo>
+                <a:lnTo>
+                  <a:pt x="8594" y="131110"/>
+                </a:lnTo>
+                <a:lnTo>
+                  <a:pt x="17895" y="137392"/>
+                </a:lnTo>
+                <a:lnTo>
+                  <a:pt x="29248" y="139700"/>
+                </a:lnTo>
+                <a:lnTo>
+                  <a:pt x="4304652" y="139700"/>
+                </a:lnTo>
+                <a:lnTo>
+                  <a:pt x="4316010" y="137392"/>
+                </a:lnTo>
+                <a:lnTo>
+                  <a:pt x="4325310" y="131110"/>
+                </a:lnTo>
+                <a:lnTo>
+                  <a:pt x="4331593" y="121810"/>
+                </a:lnTo>
+                <a:lnTo>
+                  <a:pt x="4333900" y="110451"/>
+                </a:lnTo>
+                <a:lnTo>
+                  <a:pt x="4333900" y="29248"/>
+                </a:lnTo>
+                <a:lnTo>
+                  <a:pt x="4331593" y="17889"/>
+                </a:lnTo>
+                <a:lnTo>
+                  <a:pt x="4325310" y="8589"/>
+                </a:lnTo>
+                <a:lnTo>
+                  <a:pt x="4316010" y="2307"/>
+                </a:lnTo>
+                <a:lnTo>
+                  <a:pt x="4304652" y="0"/>
+                </a:lnTo>
+                <a:close/>
+              </a:path>
+            </a:pathLst>
+          </a:custGeom>
+          <a:solidFill>
+            <a:srgbClr val="63A2E1"/>
+          </a:solidFill>
+        </p:spPr>
+        <p:txBody>
+          <a:bodyPr wrap="square" lIns="0" tIns="0" rIns="0" bIns="0" rtlCol="0"/>
+          <a:lstStyle/>
+          <a:p>
+            <a:endParaRPr/>
+          </a:p>
+        </p:txBody>
+      </p:sp>
+      <p:grpSp>
+        <p:nvGrpSpPr>
+          <p:cNvPr id="12" name="Group 11"/>
+          <p:cNvGrpSpPr/>
+          <p:nvPr/>
+        </p:nvGrpSpPr>
+        <p:grpSpPr>
+          <a:xfrm>
+            <a:off x="1591459" y="3311479"/>
+            <a:ext cx="1677964" cy="365415"/>
+            <a:chOff x="2315840" y="3488091"/>
+            <a:chExt cx="1677964" cy="365415"/>
+          </a:xfrm>
+        </p:grpSpPr>
+        <p:grpSp>
+          <p:nvGrpSpPr>
+            <p:cNvPr id="4" name="Group 3"/>
+            <p:cNvGrpSpPr/>
+            <p:nvPr/>
+          </p:nvGrpSpPr>
+          <p:grpSpPr>
+            <a:xfrm>
+              <a:off x="2315840" y="3488091"/>
+              <a:ext cx="1677964" cy="365415"/>
+              <a:chOff x="2247456" y="3401620"/>
+              <a:chExt cx="1677964" cy="365415"/>
+            </a:xfrm>
+          </p:grpSpPr>
+          <p:sp>
+            <p:nvSpPr>
+              <p:cNvPr id="108" name="object 16"/>
+              <p:cNvSpPr/>
+              <p:nvPr/>
+            </p:nvSpPr>
+            <p:spPr>
+              <a:xfrm flipV="1">
+                <a:off x="3072671" y="3668320"/>
+                <a:ext cx="777260" cy="45719"/>
+              </a:xfrm>
+              <a:custGeom>
+                <a:avLst/>
+                <a:gdLst/>
+                <a:ahLst/>
+                <a:cxnLst/>
+                <a:rect l="l" t="t" r="r" b="b"/>
+                <a:pathLst>
+                  <a:path w="1220470">
+                    <a:moveTo>
+                      <a:pt x="1220076" y="0"/>
+                    </a:moveTo>
+                    <a:lnTo>
+                      <a:pt x="0" y="0"/>
+                    </a:lnTo>
+                  </a:path>
+                </a:pathLst>
+              </a:custGeom>
+              <a:ln w="40424">
+                <a:solidFill>
+                  <a:srgbClr val="21B573"/>
+                </a:solidFill>
+              </a:ln>
+            </p:spPr>
+            <p:txBody>
+              <a:bodyPr wrap="square" lIns="0" tIns="0" rIns="0" bIns="0" rtlCol="0"/>
+              <a:lstStyle/>
+              <a:p>
+                <a:endParaRPr/>
+              </a:p>
+            </p:txBody>
+          </p:sp>
+          <p:sp>
+            <p:nvSpPr>
+              <p:cNvPr id="109" name="object 17"/>
+              <p:cNvSpPr/>
+              <p:nvPr/>
+            </p:nvSpPr>
+            <p:spPr>
+              <a:xfrm>
+                <a:off x="3849931" y="3661625"/>
+                <a:ext cx="75489" cy="105410"/>
+              </a:xfrm>
+              <a:custGeom>
+                <a:avLst/>
+                <a:gdLst/>
+                <a:ahLst/>
+                <a:cxnLst/>
+                <a:rect l="l" t="t" r="r" b="b"/>
+                <a:pathLst>
+                  <a:path w="90804" h="105410">
+                    <a:moveTo>
+                      <a:pt x="0" y="0"/>
+                    </a:moveTo>
+                    <a:lnTo>
+                      <a:pt x="0" y="104825"/>
+                    </a:lnTo>
+                    <a:lnTo>
+                      <a:pt x="90754" y="52412"/>
+                    </a:lnTo>
+                    <a:lnTo>
+                      <a:pt x="0" y="0"/>
+                    </a:lnTo>
+                    <a:close/>
+                  </a:path>
+                </a:pathLst>
+              </a:custGeom>
+              <a:solidFill>
+                <a:srgbClr val="21B573"/>
+              </a:solidFill>
+            </p:spPr>
+            <p:txBody>
+              <a:bodyPr wrap="square" lIns="0" tIns="0" rIns="0" bIns="0" rtlCol="0"/>
+              <a:lstStyle/>
+              <a:p>
+                <a:endParaRPr/>
+              </a:p>
+            </p:txBody>
+          </p:sp>
+          <p:sp>
+            <p:nvSpPr>
+              <p:cNvPr id="110" name="object 18"/>
+              <p:cNvSpPr/>
+              <p:nvPr/>
+            </p:nvSpPr>
+            <p:spPr>
+              <a:xfrm>
+                <a:off x="2247456" y="3401620"/>
+                <a:ext cx="549130" cy="45719"/>
+              </a:xfrm>
+              <a:custGeom>
+                <a:avLst/>
+                <a:gdLst/>
+                <a:ahLst/>
+                <a:cxnLst/>
+                <a:rect l="l" t="t" r="r" b="b"/>
+                <a:pathLst>
+                  <a:path w="683895">
+                    <a:moveTo>
+                      <a:pt x="683488" y="0"/>
+                    </a:moveTo>
+                    <a:lnTo>
+                      <a:pt x="0" y="0"/>
+                    </a:lnTo>
+                  </a:path>
+                </a:pathLst>
+              </a:custGeom>
+              <a:ln w="40424">
+                <a:solidFill>
+                  <a:srgbClr val="21B573"/>
+                </a:solidFill>
+                <a:prstDash val="dot"/>
+              </a:ln>
+            </p:spPr>
+            <p:txBody>
+              <a:bodyPr wrap="square" lIns="0" tIns="0" rIns="0" bIns="0" rtlCol="0"/>
+              <a:lstStyle/>
+              <a:p>
+                <a:endParaRPr/>
+              </a:p>
+            </p:txBody>
+          </p:sp>
+          <p:sp>
+            <p:nvSpPr>
+              <p:cNvPr id="111" name="object 19"/>
+              <p:cNvSpPr/>
+              <p:nvPr/>
+            </p:nvSpPr>
+            <p:spPr>
+              <a:xfrm>
+                <a:off x="2849934" y="3465967"/>
+                <a:ext cx="190571" cy="229235"/>
+              </a:xfrm>
+              <a:custGeom>
+                <a:avLst/>
+                <a:gdLst/>
+                <a:ahLst/>
+                <a:cxnLst/>
+                <a:rect l="l" t="t" r="r" b="b"/>
+                <a:pathLst>
+                  <a:path w="229235" h="229235">
+                    <a:moveTo>
+                      <a:pt x="0" y="0"/>
+                    </a:moveTo>
+                    <a:lnTo>
+                      <a:pt x="228752" y="228739"/>
+                    </a:lnTo>
+                  </a:path>
+                </a:pathLst>
+              </a:custGeom>
+              <a:ln w="40424">
+                <a:solidFill>
+                  <a:srgbClr val="21B573"/>
+                </a:solidFill>
+                <a:prstDash val="dot"/>
+              </a:ln>
+            </p:spPr>
+            <p:txBody>
+              <a:bodyPr wrap="square" lIns="0" tIns="0" rIns="0" bIns="0" rtlCol="0"/>
+              <a:lstStyle/>
+              <a:p>
+                <a:endParaRPr/>
+              </a:p>
+            </p:txBody>
+          </p:sp>
+        </p:grpSp>
+        <p:sp>
+          <p:nvSpPr>
+            <p:cNvPr id="118" name="TextBox 117"/>
+            <p:cNvSpPr txBox="1"/>
+            <p:nvPr/>
+          </p:nvSpPr>
+          <p:spPr>
+            <a:xfrm>
+              <a:off x="3277988" y="3609127"/>
+              <a:ext cx="543939" cy="215444"/>
+            </a:xfrm>
+            <a:prstGeom prst="rect">
+              <a:avLst/>
+            </a:prstGeom>
+            <a:noFill/>
+            <a:ln>
+              <a:noFill/>
+            </a:ln>
+          </p:spPr>
+          <p:txBody>
+            <a:bodyPr wrap="none" rtlCol="0">
+              <a:spAutoFit/>
+            </a:bodyPr>
+            <a:lstStyle/>
+            <a:p>
+              <a:pPr eaLnBrk="0" fontAlgn="base" hangingPunct="0">
+                <a:spcAft>
+                  <a:spcPts val="0"/>
+                </a:spcAft>
+              </a:pPr>
+              <a:r>
+                <a:rPr lang="en-GB" sz="800" b="1" dirty="0">
+                  <a:solidFill>
+                    <a:srgbClr val="21B573"/>
+                  </a:solidFill>
+                  <a:latin typeface="Arial"/>
+                  <a:ea typeface="MS PGothic"/>
+                  <a:cs typeface="Times New Roman"/>
+                </a:rPr>
+                <a:t>l</a:t>
+              </a:r>
+              <a:r>
+                <a:rPr lang="en-GB" sz="800" b="1" kern="1200" dirty="0" smtClean="0">
+                  <a:solidFill>
+                    <a:srgbClr val="21B573"/>
+                  </a:solidFill>
+                  <a:effectLst/>
+                  <a:latin typeface="Arial"/>
+                  <a:ea typeface="MS PGothic"/>
+                  <a:cs typeface="Times New Roman"/>
+                </a:rPr>
+                <a:t>inker 1</a:t>
+              </a:r>
+              <a:endParaRPr lang="en-GB" sz="800" dirty="0">
+                <a:solidFill>
+                  <a:srgbClr val="21B573"/>
+                </a:solidFill>
+                <a:effectLst/>
+                <a:latin typeface="Times New Roman"/>
+                <a:ea typeface="游明朝"/>
+              </a:endParaRPr>
+            </a:p>
+          </p:txBody>
+        </p:sp>
+      </p:grpSp>
+      <p:grpSp>
+        <p:nvGrpSpPr>
+          <p:cNvPr id="13" name="Group 12"/>
+          <p:cNvGrpSpPr/>
+          <p:nvPr/>
+        </p:nvGrpSpPr>
+        <p:grpSpPr>
+          <a:xfrm>
+            <a:off x="4814515" y="4080436"/>
+            <a:ext cx="1677964" cy="365415"/>
+            <a:chOff x="5538896" y="4257048"/>
+            <a:chExt cx="1677964" cy="365415"/>
+          </a:xfrm>
+          <a:solidFill>
+            <a:srgbClr val="B52163"/>
+          </a:solidFill>
+        </p:grpSpPr>
+        <p:grpSp>
+          <p:nvGrpSpPr>
+            <p:cNvPr id="120" name="Group 119"/>
+            <p:cNvGrpSpPr/>
+            <p:nvPr/>
+          </p:nvGrpSpPr>
+          <p:grpSpPr>
+            <a:xfrm flipH="1" flipV="1">
+              <a:off x="5538896" y="4257048"/>
+              <a:ext cx="1677964" cy="365415"/>
+              <a:chOff x="2247456" y="3401620"/>
+              <a:chExt cx="1677964" cy="365415"/>
+            </a:xfrm>
+            <a:grpFill/>
+          </p:grpSpPr>
+          <p:sp>
+            <p:nvSpPr>
+              <p:cNvPr id="121" name="object 16"/>
+              <p:cNvSpPr/>
+              <p:nvPr/>
+            </p:nvSpPr>
+            <p:spPr>
+              <a:xfrm flipV="1">
+                <a:off x="3072671" y="3668320"/>
+                <a:ext cx="777260" cy="45719"/>
+              </a:xfrm>
+              <a:custGeom>
+                <a:avLst/>
+                <a:gdLst/>
+                <a:ahLst/>
+                <a:cxnLst/>
+                <a:rect l="l" t="t" r="r" b="b"/>
+                <a:pathLst>
+                  <a:path w="1220470">
+                    <a:moveTo>
+                      <a:pt x="1220076" y="0"/>
+                    </a:moveTo>
+                    <a:lnTo>
+                      <a:pt x="0" y="0"/>
+                    </a:lnTo>
+                  </a:path>
+                </a:pathLst>
+              </a:custGeom>
+              <a:grpFill/>
+              <a:ln w="40424">
+                <a:solidFill>
+                  <a:srgbClr val="B52163"/>
+                </a:solidFill>
+              </a:ln>
+            </p:spPr>
+            <p:txBody>
+              <a:bodyPr wrap="square" lIns="0" tIns="0" rIns="0" bIns="0" rtlCol="0"/>
+              <a:lstStyle/>
+              <a:p>
+                <a:endParaRPr>
+                  <a:solidFill>
+                    <a:srgbClr val="DE4A8C"/>
+                  </a:solidFill>
+                </a:endParaRPr>
+              </a:p>
+            </p:txBody>
+          </p:sp>
+          <p:sp>
+            <p:nvSpPr>
+              <p:cNvPr id="122" name="object 17"/>
+              <p:cNvSpPr/>
+              <p:nvPr/>
+            </p:nvSpPr>
+            <p:spPr>
+              <a:xfrm>
+                <a:off x="3849931" y="3661625"/>
+                <a:ext cx="75489" cy="105410"/>
+              </a:xfrm>
+              <a:custGeom>
+                <a:avLst/>
+                <a:gdLst/>
+                <a:ahLst/>
+                <a:cxnLst/>
+                <a:rect l="l" t="t" r="r" b="b"/>
+                <a:pathLst>
+                  <a:path w="90804" h="105410">
+                    <a:moveTo>
+                      <a:pt x="0" y="0"/>
+                    </a:moveTo>
+                    <a:lnTo>
+                      <a:pt x="0" y="104825"/>
+                    </a:lnTo>
+                    <a:lnTo>
+                      <a:pt x="90754" y="52412"/>
+                    </a:lnTo>
+                    <a:lnTo>
+                      <a:pt x="0" y="0"/>
+                    </a:lnTo>
+                    <a:close/>
+                  </a:path>
+                </a:pathLst>
+              </a:custGeom>
+              <a:grpFill/>
+              <a:ln>
+                <a:solidFill>
+                  <a:srgbClr val="B52163"/>
+                </a:solidFill>
+              </a:ln>
+            </p:spPr>
+            <p:txBody>
+              <a:bodyPr wrap="square" lIns="0" tIns="0" rIns="0" bIns="0" rtlCol="0"/>
+              <a:lstStyle/>
+              <a:p>
+                <a:endParaRPr>
+                  <a:solidFill>
+                    <a:srgbClr val="DE4A8C"/>
+                  </a:solidFill>
+                </a:endParaRPr>
+              </a:p>
+            </p:txBody>
+          </p:sp>
+          <p:sp>
+            <p:nvSpPr>
+              <p:cNvPr id="123" name="object 18"/>
+              <p:cNvSpPr/>
+              <p:nvPr/>
+            </p:nvSpPr>
+            <p:spPr>
+              <a:xfrm>
+                <a:off x="2247456" y="3401620"/>
+                <a:ext cx="549130" cy="45719"/>
+              </a:xfrm>
+              <a:custGeom>
+                <a:avLst/>
+                <a:gdLst/>
+                <a:ahLst/>
+                <a:cxnLst/>
+                <a:rect l="l" t="t" r="r" b="b"/>
+                <a:pathLst>
+                  <a:path w="683895">
+                    <a:moveTo>
+                      <a:pt x="683488" y="0"/>
+                    </a:moveTo>
+                    <a:lnTo>
+                      <a:pt x="0" y="0"/>
+                    </a:lnTo>
+                  </a:path>
+                </a:pathLst>
+              </a:custGeom>
+              <a:grpFill/>
+              <a:ln w="40424">
+                <a:solidFill>
+                  <a:srgbClr val="B52163"/>
+                </a:solidFill>
+                <a:prstDash val="dot"/>
+              </a:ln>
+            </p:spPr>
+            <p:txBody>
+              <a:bodyPr wrap="square" lIns="0" tIns="0" rIns="0" bIns="0" rtlCol="0"/>
+              <a:lstStyle/>
+              <a:p>
+                <a:endParaRPr>
+                  <a:solidFill>
+                    <a:srgbClr val="DE4A8C"/>
+                  </a:solidFill>
+                </a:endParaRPr>
+              </a:p>
+            </p:txBody>
+          </p:sp>
+          <p:sp>
+            <p:nvSpPr>
+              <p:cNvPr id="124" name="object 19"/>
+              <p:cNvSpPr/>
+              <p:nvPr/>
+            </p:nvSpPr>
+            <p:spPr>
+              <a:xfrm>
+                <a:off x="2849934" y="3465967"/>
+                <a:ext cx="190571" cy="229235"/>
+              </a:xfrm>
+              <a:custGeom>
+                <a:avLst/>
+                <a:gdLst/>
+                <a:ahLst/>
+                <a:cxnLst/>
+                <a:rect l="l" t="t" r="r" b="b"/>
+                <a:pathLst>
+                  <a:path w="229235" h="229235">
+                    <a:moveTo>
+                      <a:pt x="0" y="0"/>
+                    </a:moveTo>
+                    <a:lnTo>
+                      <a:pt x="228752" y="228739"/>
+                    </a:lnTo>
+                  </a:path>
+                </a:pathLst>
+              </a:custGeom>
+              <a:grpFill/>
+              <a:ln w="40424">
+                <a:solidFill>
+                  <a:srgbClr val="B52163"/>
+                </a:solidFill>
+                <a:prstDash val="dot"/>
+              </a:ln>
+            </p:spPr>
+            <p:txBody>
+              <a:bodyPr wrap="square" lIns="0" tIns="0" rIns="0" bIns="0" rtlCol="0"/>
+              <a:lstStyle/>
+              <a:p>
+                <a:endParaRPr>
+                  <a:solidFill>
+                    <a:srgbClr val="DE4A8C"/>
+                  </a:solidFill>
+                </a:endParaRPr>
+              </a:p>
+            </p:txBody>
+          </p:sp>
+        </p:grpSp>
+        <p:sp>
+          <p:nvSpPr>
+            <p:cNvPr id="125" name="TextBox 124"/>
+            <p:cNvSpPr txBox="1"/>
+            <p:nvPr/>
+          </p:nvSpPr>
+          <p:spPr>
+            <a:xfrm>
+              <a:off x="5741980" y="4286315"/>
+              <a:ext cx="543939" cy="215444"/>
+            </a:xfrm>
+            <a:prstGeom prst="rect">
+              <a:avLst/>
+            </a:prstGeom>
+            <a:noFill/>
+            <a:ln>
+              <a:noFill/>
+            </a:ln>
+          </p:spPr>
+          <p:txBody>
+            <a:bodyPr wrap="none" rtlCol="0">
+              <a:spAutoFit/>
+            </a:bodyPr>
+            <a:lstStyle/>
+            <a:p>
+              <a:pPr eaLnBrk="0" fontAlgn="base" hangingPunct="0">
+                <a:spcAft>
+                  <a:spcPts val="0"/>
+                </a:spcAft>
+              </a:pPr>
+              <a:r>
+                <a:rPr lang="en-GB" sz="800" b="1" dirty="0" smtClean="0">
+                  <a:solidFill>
+                    <a:srgbClr val="B52163"/>
+                  </a:solidFill>
+                  <a:latin typeface="Arial"/>
+                  <a:ea typeface="MS PGothic"/>
+                  <a:cs typeface="Times New Roman"/>
+                </a:rPr>
+                <a:t>l</a:t>
+              </a:r>
+              <a:r>
+                <a:rPr lang="en-GB" sz="800" b="1" kern="1200" dirty="0" smtClean="0">
+                  <a:solidFill>
+                    <a:srgbClr val="B52163"/>
+                  </a:solidFill>
+                  <a:effectLst/>
+                  <a:latin typeface="Arial"/>
+                  <a:ea typeface="MS PGothic"/>
+                  <a:cs typeface="Times New Roman"/>
+                </a:rPr>
+                <a:t>inker 2</a:t>
+              </a:r>
+              <a:endParaRPr lang="en-GB" sz="800" dirty="0">
+                <a:solidFill>
+                  <a:srgbClr val="B52163"/>
+                </a:solidFill>
+                <a:effectLst/>
+                <a:latin typeface="Times New Roman"/>
+                <a:ea typeface="游明朝"/>
+              </a:endParaRPr>
+            </a:p>
+          </p:txBody>
+        </p:sp>
+      </p:grpSp>
+      <p:cxnSp>
+        <p:nvCxnSpPr>
+          <p:cNvPr id="6" name="Straight Connector 5"/>
+          <p:cNvCxnSpPr/>
+          <p:nvPr/>
+        </p:nvCxnSpPr>
+        <p:spPr>
+          <a:xfrm flipH="1">
+            <a:off x="1491158" y="2237261"/>
+            <a:ext cx="657027" cy="902017"/>
+          </a:xfrm>
+          <a:prstGeom prst="line">
+            <a:avLst/>
+          </a:prstGeom>
+          <a:ln>
+            <a:solidFill>
+              <a:srgbClr val="400080"/>
+            </a:solidFill>
+            <a:prstDash val="dot"/>
+          </a:ln>
+          <a:effectLst/>
+        </p:spPr>
+        <p:style>
+          <a:lnRef idx="2">
+            <a:schemeClr val="accent1"/>
+          </a:lnRef>
+          <a:fillRef idx="0">
+            <a:schemeClr val="accent1"/>
+          </a:fillRef>
+          <a:effectRef idx="1">
+            <a:schemeClr val="accent1"/>
+          </a:effectRef>
+          <a:fontRef idx="minor">
+            <a:schemeClr val="tx1"/>
+          </a:fontRef>
+        </p:style>
+      </p:cxnSp>
+      <p:cxnSp>
+        <p:nvCxnSpPr>
+          <p:cNvPr id="126" name="Straight Connector 125"/>
+          <p:cNvCxnSpPr/>
+          <p:nvPr/>
+        </p:nvCxnSpPr>
+        <p:spPr>
+          <a:xfrm>
+            <a:off x="6945870" y="2237261"/>
+            <a:ext cx="694726" cy="902018"/>
+          </a:xfrm>
+          <a:prstGeom prst="line">
+            <a:avLst/>
+          </a:prstGeom>
+          <a:ln>
+            <a:solidFill>
+              <a:srgbClr val="400080"/>
+            </a:solidFill>
+            <a:prstDash val="dot"/>
+          </a:ln>
+          <a:effectLst/>
+        </p:spPr>
+        <p:style>
+          <a:lnRef idx="2">
+            <a:schemeClr val="accent1"/>
+          </a:lnRef>
+          <a:fillRef idx="0">
+            <a:schemeClr val="accent1"/>
+          </a:fillRef>
+          <a:effectRef idx="1">
+            <a:schemeClr val="accent1"/>
+          </a:effectRef>
+          <a:fontRef idx="minor">
+            <a:schemeClr val="tx1"/>
+          </a:fontRef>
+        </p:style>
+      </p:cxnSp>
+      <p:sp>
+        <p:nvSpPr>
+          <p:cNvPr id="127" name="TextBox 126"/>
+          <p:cNvSpPr txBox="1"/>
+          <p:nvPr/>
+        </p:nvSpPr>
+        <p:spPr>
+          <a:xfrm>
+            <a:off x="5699430" y="3647959"/>
+            <a:ext cx="1837962" cy="338554"/>
+          </a:xfrm>
+          <a:prstGeom prst="rect">
+            <a:avLst/>
+          </a:prstGeom>
+          <a:noFill/>
+        </p:spPr>
+        <p:txBody>
+          <a:bodyPr wrap="square" rtlCol="0">
+            <a:spAutoFit/>
+          </a:bodyPr>
+          <a:lstStyle/>
+          <a:p>
+            <a:pPr eaLnBrk="0" fontAlgn="base" hangingPunct="0">
+              <a:spcAft>
+                <a:spcPts val="0"/>
+              </a:spcAft>
+            </a:pPr>
+            <a:r>
+              <a:rPr lang="fr-FR" sz="800" dirty="0" smtClean="0">
+                <a:solidFill>
+                  <a:srgbClr val="000000"/>
+                </a:solidFill>
+                <a:latin typeface="Arial"/>
+                <a:ea typeface="Lucida Grande"/>
+                <a:cs typeface="Arial"/>
+              </a:rPr>
+              <a:t>Select </a:t>
+            </a:r>
+            <a:r>
+              <a:rPr lang="fr-FR" sz="800" b="1" dirty="0" smtClean="0">
+                <a:solidFill>
+                  <a:srgbClr val="000000"/>
+                </a:solidFill>
+                <a:latin typeface="Arial"/>
+                <a:ea typeface="Lucida Grande"/>
+                <a:cs typeface="Arial"/>
+              </a:rPr>
+              <a:t>TRUE</a:t>
+            </a:r>
+            <a:r>
+              <a:rPr lang="fr-FR" sz="800" dirty="0" smtClean="0">
+                <a:solidFill>
+                  <a:srgbClr val="000000"/>
+                </a:solidFill>
+                <a:latin typeface="Arial"/>
+                <a:ea typeface="Lucida Grande"/>
+                <a:cs typeface="Arial"/>
+              </a:rPr>
+              <a:t> for ‘</a:t>
+            </a:r>
+            <a:r>
+              <a:rPr lang="fr-FR" sz="800" b="1" dirty="0" err="1" smtClean="0">
+                <a:solidFill>
+                  <a:srgbClr val="000000"/>
+                </a:solidFill>
+                <a:latin typeface="Arial"/>
+                <a:ea typeface="Lucida Grande"/>
+                <a:cs typeface="Arial"/>
+              </a:rPr>
+              <a:t>refseq_orientation_match</a:t>
+            </a:r>
+            <a:r>
+              <a:rPr lang="fr-FR" sz="800" dirty="0" smtClean="0">
+                <a:solidFill>
+                  <a:srgbClr val="000000"/>
+                </a:solidFill>
+                <a:latin typeface="Arial"/>
+                <a:ea typeface="Lucida Grande"/>
+                <a:cs typeface="Arial"/>
+              </a:rPr>
+              <a:t>’ </a:t>
+            </a:r>
+            <a:r>
+              <a:rPr lang="fr-FR" sz="800" dirty="0" err="1" smtClean="0">
+                <a:solidFill>
+                  <a:srgbClr val="000000"/>
+                </a:solidFill>
+                <a:latin typeface="Arial"/>
+                <a:ea typeface="Lucida Grande"/>
+                <a:cs typeface="Arial"/>
+              </a:rPr>
+              <a:t>column</a:t>
+            </a:r>
+            <a:endParaRPr lang="en-GB" sz="800" dirty="0">
+              <a:solidFill>
+                <a:schemeClr val="tx2"/>
+              </a:solidFill>
+              <a:effectLst/>
+              <a:latin typeface="Arial"/>
+              <a:ea typeface="游明朝"/>
+              <a:cs typeface="Arial"/>
+            </a:endParaRPr>
+          </a:p>
+        </p:txBody>
+      </p:sp>
+      <p:sp>
+        <p:nvSpPr>
+          <p:cNvPr id="129" name="TextBox 128"/>
+          <p:cNvSpPr txBox="1"/>
+          <p:nvPr/>
+        </p:nvSpPr>
+        <p:spPr>
+          <a:xfrm>
+            <a:off x="1491158" y="4807401"/>
+            <a:ext cx="6149438" cy="861774"/>
+          </a:xfrm>
+          <a:prstGeom prst="rect">
+            <a:avLst/>
+          </a:prstGeom>
+          <a:noFill/>
+        </p:spPr>
+        <p:txBody>
+          <a:bodyPr wrap="square" rtlCol="0">
+            <a:spAutoFit/>
+          </a:bodyPr>
+          <a:lstStyle/>
+          <a:p>
+            <a:pPr algn="just" eaLnBrk="0" fontAlgn="base" hangingPunct="0"/>
+            <a:r>
+              <a:rPr lang="en-GB" sz="1000" dirty="0" smtClean="0">
+                <a:latin typeface="Arial"/>
+                <a:cs typeface="Arial"/>
+              </a:rPr>
+              <a:t>It is essential to indicate whether the orientation of the </a:t>
+            </a:r>
+            <a:r>
+              <a:rPr lang="en-GB" sz="1000" dirty="0" err="1" smtClean="0">
+                <a:latin typeface="Arial"/>
+                <a:cs typeface="Arial"/>
+              </a:rPr>
+              <a:t>amplicon</a:t>
+            </a:r>
+            <a:r>
+              <a:rPr lang="en-GB" sz="1000" dirty="0" smtClean="0">
+                <a:latin typeface="Arial"/>
+                <a:cs typeface="Arial"/>
+              </a:rPr>
+              <a:t> is aligned or reverse complemented  with respect to the NCBI whole genome reference sequence (</a:t>
+            </a:r>
+            <a:r>
+              <a:rPr lang="en-GB" sz="1000" dirty="0" err="1" smtClean="0">
+                <a:latin typeface="Arial"/>
+                <a:cs typeface="Arial"/>
+              </a:rPr>
+              <a:t>RefSeq</a:t>
+            </a:r>
+            <a:r>
+              <a:rPr lang="en-GB" sz="1000" dirty="0" smtClean="0">
+                <a:latin typeface="Arial"/>
+                <a:cs typeface="Arial"/>
+              </a:rPr>
+              <a:t>). If orientations are aligned with the </a:t>
+            </a:r>
+            <a:r>
+              <a:rPr lang="en-GB" sz="1000" dirty="0" err="1" smtClean="0">
+                <a:latin typeface="Arial"/>
+                <a:cs typeface="Arial"/>
+              </a:rPr>
+              <a:t>amplicon</a:t>
+            </a:r>
+            <a:r>
+              <a:rPr lang="en-GB" sz="1000" dirty="0" smtClean="0">
+                <a:latin typeface="Arial"/>
+                <a:cs typeface="Arial"/>
+              </a:rPr>
+              <a:t> forward primer (extended with linker 1), the user should select “</a:t>
+            </a:r>
+            <a:r>
+              <a:rPr lang="en-GB" sz="1000" b="1" dirty="0" smtClean="0">
+                <a:latin typeface="Arial"/>
+                <a:cs typeface="Arial"/>
+              </a:rPr>
+              <a:t>TRUE</a:t>
+            </a:r>
+            <a:r>
+              <a:rPr lang="en-GB" sz="1000" dirty="0" smtClean="0">
+                <a:latin typeface="Arial"/>
+                <a:cs typeface="Arial"/>
+              </a:rPr>
+              <a:t>” in  the “</a:t>
+            </a:r>
+            <a:r>
+              <a:rPr lang="fr-FR" sz="1000" b="1" dirty="0" err="1">
+                <a:solidFill>
+                  <a:srgbClr val="000000"/>
+                </a:solidFill>
+                <a:latin typeface="Arial"/>
+                <a:ea typeface="Lucida Grande"/>
+                <a:cs typeface="Arial"/>
+              </a:rPr>
+              <a:t>refseq_orientation_match</a:t>
+            </a:r>
+            <a:r>
+              <a:rPr lang="en-GB" sz="1000" dirty="0" smtClean="0">
+                <a:latin typeface="Arial"/>
+                <a:cs typeface="Arial"/>
+              </a:rPr>
+              <a:t>” column.  If instead the </a:t>
+            </a:r>
+            <a:r>
+              <a:rPr lang="en-GB" sz="1000" dirty="0" err="1" smtClean="0">
+                <a:latin typeface="Arial"/>
+                <a:cs typeface="Arial"/>
+              </a:rPr>
+              <a:t>amplicon</a:t>
+            </a:r>
+            <a:r>
+              <a:rPr lang="en-GB" sz="1000" dirty="0" smtClean="0">
+                <a:latin typeface="Arial"/>
+                <a:cs typeface="Arial"/>
+              </a:rPr>
+              <a:t> forward primer (extended with linker 1) is reverse complemented with respect to the NCBI whole genome </a:t>
+            </a:r>
+            <a:r>
+              <a:rPr lang="en-GB" sz="1000" dirty="0" err="1" smtClean="0">
+                <a:latin typeface="Arial"/>
+                <a:cs typeface="Arial"/>
+              </a:rPr>
+              <a:t>RefSeq</a:t>
+            </a:r>
+            <a:r>
+              <a:rPr lang="en-GB" sz="1000" dirty="0" smtClean="0">
+                <a:latin typeface="Arial"/>
+                <a:cs typeface="Arial"/>
+              </a:rPr>
+              <a:t>, the user should select “</a:t>
+            </a:r>
+            <a:r>
+              <a:rPr lang="en-GB" sz="1000" b="1" dirty="0" smtClean="0">
+                <a:latin typeface="Arial"/>
+                <a:cs typeface="Arial"/>
+              </a:rPr>
+              <a:t>FALSE</a:t>
+            </a:r>
+            <a:r>
+              <a:rPr lang="en-GB" sz="1000" dirty="0" smtClean="0">
+                <a:latin typeface="Arial"/>
+                <a:cs typeface="Arial"/>
+              </a:rPr>
+              <a:t>”.</a:t>
+            </a:r>
+            <a:endParaRPr lang="en-GB" sz="1000" dirty="0">
+              <a:solidFill>
+                <a:schemeClr val="tx2"/>
+              </a:solidFill>
+              <a:effectLst/>
+              <a:latin typeface="Arial"/>
+              <a:ea typeface="游明朝"/>
+              <a:cs typeface="Arial"/>
+            </a:endParaRPr>
+          </a:p>
+        </p:txBody>
+      </p:sp>
+      <p:sp>
+        <p:nvSpPr>
+          <p:cNvPr id="63" name="TextBox 62"/>
+          <p:cNvSpPr txBox="1"/>
+          <p:nvPr/>
+        </p:nvSpPr>
+        <p:spPr>
+          <a:xfrm>
+            <a:off x="1536481" y="2374216"/>
+            <a:ext cx="1223412" cy="215444"/>
+          </a:xfrm>
+          <a:prstGeom prst="rect">
+            <a:avLst/>
+          </a:prstGeom>
+          <a:noFill/>
+        </p:spPr>
+        <p:txBody>
+          <a:bodyPr wrap="none" rtlCol="0">
+            <a:spAutoFit/>
+          </a:bodyPr>
+          <a:lstStyle/>
+          <a:p>
+            <a:pPr algn="ctr" eaLnBrk="0" fontAlgn="base" hangingPunct="0">
+              <a:spcAft>
+                <a:spcPts val="0"/>
+              </a:spcAft>
+            </a:pPr>
+            <a:r>
+              <a:rPr lang="en-GB" sz="800" b="1" dirty="0" err="1">
+                <a:solidFill>
+                  <a:schemeClr val="accent1">
+                    <a:lumMod val="50000"/>
+                  </a:schemeClr>
+                </a:solidFill>
+                <a:latin typeface="Arial"/>
+                <a:ea typeface="MS PGothic"/>
+                <a:cs typeface="Times New Roman"/>
+              </a:rPr>
+              <a:t>f</a:t>
+            </a:r>
+            <a:r>
+              <a:rPr lang="en-GB" sz="800" b="1" dirty="0" err="1" smtClean="0">
+                <a:solidFill>
+                  <a:schemeClr val="accent1">
+                    <a:lumMod val="50000"/>
+                  </a:schemeClr>
+                </a:solidFill>
+                <a:latin typeface="Arial"/>
+                <a:ea typeface="MS PGothic"/>
+                <a:cs typeface="Times New Roman"/>
+              </a:rPr>
+              <a:t>orward_primer_start</a:t>
+            </a:r>
+            <a:endParaRPr lang="en-GB" sz="800" b="1" dirty="0">
+              <a:solidFill>
+                <a:schemeClr val="accent1">
+                  <a:lumMod val="50000"/>
+                </a:schemeClr>
+              </a:solidFill>
+              <a:effectLst/>
+              <a:latin typeface="Times New Roman"/>
+              <a:ea typeface="游明朝"/>
+            </a:endParaRPr>
+          </a:p>
+        </p:txBody>
+      </p:sp>
+      <p:sp>
+        <p:nvSpPr>
+          <p:cNvPr id="69" name="TextBox 68"/>
+          <p:cNvSpPr txBox="1"/>
+          <p:nvPr/>
+        </p:nvSpPr>
+        <p:spPr>
+          <a:xfrm>
+            <a:off x="6359813" y="2560425"/>
+            <a:ext cx="1172116" cy="215444"/>
+          </a:xfrm>
+          <a:prstGeom prst="rect">
+            <a:avLst/>
+          </a:prstGeom>
+          <a:noFill/>
+        </p:spPr>
+        <p:txBody>
+          <a:bodyPr wrap="none" rtlCol="0">
+            <a:spAutoFit/>
+          </a:bodyPr>
+          <a:lstStyle/>
+          <a:p>
+            <a:pPr algn="ctr" eaLnBrk="0" fontAlgn="base" hangingPunct="0">
+              <a:spcAft>
+                <a:spcPts val="0"/>
+              </a:spcAft>
+            </a:pPr>
+            <a:r>
+              <a:rPr lang="en-GB" sz="800" b="1" dirty="0" err="1" smtClean="0">
+                <a:solidFill>
+                  <a:schemeClr val="accent1">
+                    <a:lumMod val="50000"/>
+                  </a:schemeClr>
+                </a:solidFill>
+                <a:latin typeface="Arial"/>
+                <a:ea typeface="MS PGothic"/>
+                <a:cs typeface="Times New Roman"/>
+              </a:rPr>
+              <a:t>reverse_primer_end</a:t>
+            </a:r>
+            <a:endParaRPr lang="en-GB" sz="800" b="1" dirty="0">
+              <a:solidFill>
+                <a:schemeClr val="accent1">
+                  <a:lumMod val="50000"/>
+                </a:schemeClr>
+              </a:solidFill>
+              <a:effectLst/>
+              <a:latin typeface="Times New Roman"/>
+              <a:ea typeface="游明朝"/>
+            </a:endParaRPr>
+          </a:p>
+        </p:txBody>
+      </p:sp>
+    </p:spTree>
+    <p:extLst>
+      <p:ext uri="{BB962C8B-B14F-4D97-AF65-F5344CB8AC3E}">
+        <p14:creationId xmlns:p14="http://schemas.microsoft.com/office/powerpoint/2010/main" val="767486164"/>
+      </p:ext>
+    </p:extLst>
+  </p:cSld>
+  <p:clrMapOvr>
+    <a:masterClrMapping/>
+  </p:clrMapOvr>
+  <p:timing>
+    <p:tnLst>
+      <p:par>
+        <p:cTn xmlns:p14="http://schemas.microsoft.com/office/powerpoint/2010/main" id="1" dur="indefinite" restart="never" nodeType="tmRoot"/>
+      </p:par>
+    </p:tnLst>
+  </p:timing>
+</p:sld>
+</file>
+
+<file path=ppt/slides/slide3.xml><?xml version="1.0" encoding="utf-8"?>
+<p:sld xmlns:a="http://schemas.openxmlformats.org/drawingml/2006/main" xmlns:r="http://schemas.openxmlformats.org/officeDocument/2006/relationships" xmlns:p="http://schemas.openxmlformats.org/presentationml/2006/main">
+  <p:cSld>
+    <p:spTree>
+      <p:nvGrpSpPr>
+        <p:cNvPr id="1" name=""/>
+        <p:cNvGrpSpPr/>
+        <p:nvPr/>
+      </p:nvGrpSpPr>
+      <p:grpSpPr>
+        <a:xfrm>
+          <a:off x="0" y="0"/>
+          <a:ext cx="0" cy="0"/>
+          <a:chOff x="0" y="0"/>
+          <a:chExt cx="0" cy="0"/>
+        </a:xfrm>
+      </p:grpSpPr>
+      <p:cxnSp>
+        <p:nvCxnSpPr>
+          <p:cNvPr id="6" name="Straight Connector 5"/>
+          <p:cNvCxnSpPr/>
+          <p:nvPr/>
+        </p:nvCxnSpPr>
+        <p:spPr>
+          <a:xfrm flipH="1">
+            <a:off x="1491158" y="2237261"/>
+            <a:ext cx="657027" cy="902017"/>
+          </a:xfrm>
+          <a:prstGeom prst="line">
+            <a:avLst/>
+          </a:prstGeom>
+          <a:ln>
+            <a:solidFill>
+              <a:srgbClr val="400080"/>
+            </a:solidFill>
+            <a:prstDash val="dot"/>
+          </a:ln>
+          <a:effectLst/>
+        </p:spPr>
+        <p:style>
+          <a:lnRef idx="2">
+            <a:schemeClr val="accent1"/>
+          </a:lnRef>
+          <a:fillRef idx="0">
+            <a:schemeClr val="accent1"/>
+          </a:fillRef>
+          <a:effectRef idx="1">
+            <a:schemeClr val="accent1"/>
+          </a:effectRef>
+          <a:fontRef idx="minor">
+            <a:schemeClr val="tx1"/>
+          </a:fontRef>
+        </p:style>
+      </p:cxnSp>
+      <p:sp>
+        <p:nvSpPr>
+          <p:cNvPr id="119" name="TextBox 118"/>
+          <p:cNvSpPr txBox="1"/>
+          <p:nvPr/>
+        </p:nvSpPr>
+        <p:spPr>
+          <a:xfrm>
+            <a:off x="1491158" y="3139278"/>
+            <a:ext cx="6149438" cy="2673156"/>
+          </a:xfrm>
+          <a:prstGeom prst="rect">
+            <a:avLst/>
+          </a:prstGeom>
+          <a:solidFill>
+            <a:srgbClr val="400080">
+              <a:alpha val="5000"/>
+            </a:srgbClr>
+          </a:solidFill>
+          <a:ln>
+            <a:solidFill>
+              <a:srgbClr val="400080"/>
+            </a:solidFill>
+          </a:ln>
+        </p:spPr>
+        <p:txBody>
+          <a:bodyPr wrap="square" rtlCol="0">
+            <a:noAutofit/>
+          </a:bodyPr>
+          <a:lstStyle/>
+          <a:p>
+            <a:pPr eaLnBrk="0" fontAlgn="base" hangingPunct="0">
+              <a:spcAft>
+                <a:spcPts val="0"/>
+              </a:spcAft>
+            </a:pPr>
+            <a:endParaRPr lang="en-GB" sz="800" dirty="0" smtClean="0">
+              <a:effectLst/>
+              <a:latin typeface="Times New Roman"/>
+              <a:ea typeface="游明朝"/>
+            </a:endParaRPr>
+          </a:p>
+        </p:txBody>
+      </p:sp>
+      <p:sp>
+        <p:nvSpPr>
+          <p:cNvPr id="107" name="object 15"/>
+          <p:cNvSpPr/>
+          <p:nvPr/>
+        </p:nvSpPr>
+        <p:spPr>
+          <a:xfrm>
+            <a:off x="2410023" y="3913928"/>
+            <a:ext cx="3260099" cy="136006"/>
+          </a:xfrm>
+          <a:custGeom>
+            <a:avLst/>
+            <a:gdLst/>
+            <a:ahLst/>
+            <a:cxnLst/>
+            <a:rect l="l" t="t" r="r" b="b"/>
+            <a:pathLst>
+              <a:path w="4334509" h="139700">
+                <a:moveTo>
+                  <a:pt x="4304652" y="0"/>
+                </a:moveTo>
+                <a:lnTo>
+                  <a:pt x="29248" y="0"/>
+                </a:lnTo>
+                <a:lnTo>
+                  <a:pt x="17895" y="2307"/>
+                </a:lnTo>
+                <a:lnTo>
+                  <a:pt x="8594" y="8589"/>
+                </a:lnTo>
+                <a:lnTo>
+                  <a:pt x="2309" y="17889"/>
+                </a:lnTo>
+                <a:lnTo>
+                  <a:pt x="0" y="29248"/>
+                </a:lnTo>
+                <a:lnTo>
+                  <a:pt x="0" y="110451"/>
+                </a:lnTo>
+                <a:lnTo>
+                  <a:pt x="2309" y="121810"/>
+                </a:lnTo>
+                <a:lnTo>
+                  <a:pt x="8594" y="131110"/>
+                </a:lnTo>
+                <a:lnTo>
+                  <a:pt x="17895" y="137392"/>
+                </a:lnTo>
+                <a:lnTo>
+                  <a:pt x="29248" y="139700"/>
+                </a:lnTo>
+                <a:lnTo>
+                  <a:pt x="4304652" y="139700"/>
+                </a:lnTo>
+                <a:lnTo>
+                  <a:pt x="4316010" y="137392"/>
+                </a:lnTo>
+                <a:lnTo>
+                  <a:pt x="4325310" y="131110"/>
+                </a:lnTo>
+                <a:lnTo>
+                  <a:pt x="4331593" y="121810"/>
+                </a:lnTo>
+                <a:lnTo>
+                  <a:pt x="4333900" y="110451"/>
+                </a:lnTo>
+                <a:lnTo>
+                  <a:pt x="4333900" y="29248"/>
+                </a:lnTo>
+                <a:lnTo>
+                  <a:pt x="4331593" y="17889"/>
+                </a:lnTo>
+                <a:lnTo>
+                  <a:pt x="4325310" y="8589"/>
+                </a:lnTo>
+                <a:lnTo>
+                  <a:pt x="4316010" y="2307"/>
+                </a:lnTo>
+                <a:lnTo>
+                  <a:pt x="4304652" y="0"/>
+                </a:lnTo>
+                <a:close/>
+              </a:path>
+            </a:pathLst>
+          </a:custGeom>
+          <a:solidFill>
+            <a:srgbClr val="63A2E1"/>
+          </a:solidFill>
+        </p:spPr>
+        <p:txBody>
+          <a:bodyPr wrap="square" lIns="0" tIns="0" rIns="0" bIns="0" rtlCol="0"/>
+          <a:lstStyle/>
+          <a:p>
+            <a:endParaRPr/>
+          </a:p>
+        </p:txBody>
+      </p:sp>
+      <p:sp>
+        <p:nvSpPr>
+          <p:cNvPr id="115" name="object 23"/>
+          <p:cNvSpPr/>
+          <p:nvPr/>
+        </p:nvSpPr>
+        <p:spPr>
+          <a:xfrm>
+            <a:off x="2410021" y="3711823"/>
+            <a:ext cx="3260101" cy="139700"/>
+          </a:xfrm>
+          <a:custGeom>
+            <a:avLst/>
+            <a:gdLst/>
+            <a:ahLst/>
+            <a:cxnLst/>
+            <a:rect l="l" t="t" r="r" b="b"/>
+            <a:pathLst>
+              <a:path w="4334509" h="139700">
+                <a:moveTo>
+                  <a:pt x="4304652" y="0"/>
+                </a:moveTo>
+                <a:lnTo>
+                  <a:pt x="29248" y="0"/>
+                </a:lnTo>
+                <a:lnTo>
+                  <a:pt x="17895" y="2307"/>
+                </a:lnTo>
+                <a:lnTo>
+                  <a:pt x="8594" y="8589"/>
+                </a:lnTo>
+                <a:lnTo>
+                  <a:pt x="2309" y="17889"/>
+                </a:lnTo>
+                <a:lnTo>
+                  <a:pt x="0" y="29248"/>
+                </a:lnTo>
+                <a:lnTo>
+                  <a:pt x="0" y="110451"/>
+                </a:lnTo>
+                <a:lnTo>
+                  <a:pt x="2309" y="121810"/>
+                </a:lnTo>
+                <a:lnTo>
+                  <a:pt x="8594" y="131110"/>
+                </a:lnTo>
+                <a:lnTo>
+                  <a:pt x="17895" y="137392"/>
+                </a:lnTo>
+                <a:lnTo>
+                  <a:pt x="29248" y="139700"/>
+                </a:lnTo>
+                <a:lnTo>
+                  <a:pt x="4304652" y="139700"/>
+                </a:lnTo>
+                <a:lnTo>
+                  <a:pt x="4316010" y="137392"/>
+                </a:lnTo>
+                <a:lnTo>
+                  <a:pt x="4325310" y="131110"/>
+                </a:lnTo>
+                <a:lnTo>
+                  <a:pt x="4331593" y="121810"/>
+                </a:lnTo>
+                <a:lnTo>
+                  <a:pt x="4333900" y="110451"/>
+                </a:lnTo>
+                <a:lnTo>
+                  <a:pt x="4333900" y="29248"/>
+                </a:lnTo>
+                <a:lnTo>
+                  <a:pt x="4331593" y="17889"/>
+                </a:lnTo>
+                <a:lnTo>
+                  <a:pt x="4325310" y="8589"/>
+                </a:lnTo>
+                <a:lnTo>
+                  <a:pt x="4316010" y="2307"/>
+                </a:lnTo>
+                <a:lnTo>
+                  <a:pt x="4304652" y="0"/>
+                </a:lnTo>
+                <a:close/>
+              </a:path>
+            </a:pathLst>
+          </a:custGeom>
+          <a:solidFill>
+            <a:srgbClr val="E1A263"/>
+          </a:solidFill>
+          <a:ln>
+            <a:noFill/>
+          </a:ln>
+        </p:spPr>
+        <p:txBody>
+          <a:bodyPr wrap="square" lIns="0" tIns="0" rIns="0" bIns="0" rtlCol="0"/>
+          <a:lstStyle/>
+          <a:p>
+            <a:endParaRPr/>
+          </a:p>
+        </p:txBody>
+      </p:sp>
+      <p:grpSp>
+        <p:nvGrpSpPr>
+          <p:cNvPr id="12" name="Group 11"/>
+          <p:cNvGrpSpPr/>
+          <p:nvPr/>
+        </p:nvGrpSpPr>
+        <p:grpSpPr>
+          <a:xfrm>
+            <a:off x="1591459" y="3311479"/>
+            <a:ext cx="1677964" cy="365415"/>
+            <a:chOff x="2315840" y="3488091"/>
+            <a:chExt cx="1677964" cy="365415"/>
+          </a:xfrm>
+        </p:grpSpPr>
+        <p:grpSp>
+          <p:nvGrpSpPr>
+            <p:cNvPr id="4" name="Group 3"/>
+            <p:cNvGrpSpPr/>
+            <p:nvPr/>
+          </p:nvGrpSpPr>
+          <p:grpSpPr>
+            <a:xfrm>
+              <a:off x="2315840" y="3488091"/>
+              <a:ext cx="1677964" cy="365415"/>
+              <a:chOff x="2247456" y="3401620"/>
+              <a:chExt cx="1677964" cy="365415"/>
+            </a:xfrm>
+          </p:grpSpPr>
+          <p:sp>
+            <p:nvSpPr>
+              <p:cNvPr id="108" name="object 16"/>
+              <p:cNvSpPr/>
+              <p:nvPr/>
+            </p:nvSpPr>
+            <p:spPr>
+              <a:xfrm flipV="1">
+                <a:off x="3072671" y="3668320"/>
+                <a:ext cx="777260" cy="45719"/>
+              </a:xfrm>
+              <a:custGeom>
+                <a:avLst/>
+                <a:gdLst/>
+                <a:ahLst/>
+                <a:cxnLst/>
+                <a:rect l="l" t="t" r="r" b="b"/>
+                <a:pathLst>
+                  <a:path w="1220470">
+                    <a:moveTo>
+                      <a:pt x="1220076" y="0"/>
+                    </a:moveTo>
+                    <a:lnTo>
+                      <a:pt x="0" y="0"/>
+                    </a:lnTo>
+                  </a:path>
+                </a:pathLst>
+              </a:custGeom>
+              <a:ln w="40424">
+                <a:solidFill>
+                  <a:srgbClr val="21B573"/>
+                </a:solidFill>
+              </a:ln>
+            </p:spPr>
+            <p:txBody>
+              <a:bodyPr wrap="square" lIns="0" tIns="0" rIns="0" bIns="0" rtlCol="0"/>
+              <a:lstStyle/>
+              <a:p>
+                <a:endParaRPr/>
+              </a:p>
+            </p:txBody>
+          </p:sp>
+          <p:sp>
+            <p:nvSpPr>
+              <p:cNvPr id="109" name="object 17"/>
+              <p:cNvSpPr/>
+              <p:nvPr/>
+            </p:nvSpPr>
+            <p:spPr>
+              <a:xfrm>
+                <a:off x="3849931" y="3661625"/>
+                <a:ext cx="75489" cy="105410"/>
+              </a:xfrm>
+              <a:custGeom>
+                <a:avLst/>
+                <a:gdLst/>
+                <a:ahLst/>
+                <a:cxnLst/>
+                <a:rect l="l" t="t" r="r" b="b"/>
+                <a:pathLst>
+                  <a:path w="90804" h="105410">
+                    <a:moveTo>
+                      <a:pt x="0" y="0"/>
+                    </a:moveTo>
+                    <a:lnTo>
+                      <a:pt x="0" y="104825"/>
+                    </a:lnTo>
+                    <a:lnTo>
+                      <a:pt x="90754" y="52412"/>
+                    </a:lnTo>
+                    <a:lnTo>
+                      <a:pt x="0" y="0"/>
+                    </a:lnTo>
+                    <a:close/>
+                  </a:path>
+                </a:pathLst>
+              </a:custGeom>
+              <a:solidFill>
+                <a:srgbClr val="21B573"/>
+              </a:solidFill>
+            </p:spPr>
+            <p:txBody>
+              <a:bodyPr wrap="square" lIns="0" tIns="0" rIns="0" bIns="0" rtlCol="0"/>
+              <a:lstStyle/>
+              <a:p>
+                <a:endParaRPr/>
+              </a:p>
+            </p:txBody>
+          </p:sp>
+          <p:sp>
+            <p:nvSpPr>
+              <p:cNvPr id="110" name="object 18"/>
+              <p:cNvSpPr/>
+              <p:nvPr/>
+            </p:nvSpPr>
+            <p:spPr>
+              <a:xfrm>
+                <a:off x="2247456" y="3401620"/>
+                <a:ext cx="549130" cy="45719"/>
+              </a:xfrm>
+              <a:custGeom>
+                <a:avLst/>
+                <a:gdLst/>
+                <a:ahLst/>
+                <a:cxnLst/>
+                <a:rect l="l" t="t" r="r" b="b"/>
+                <a:pathLst>
+                  <a:path w="683895">
+                    <a:moveTo>
+                      <a:pt x="683488" y="0"/>
+                    </a:moveTo>
+                    <a:lnTo>
+                      <a:pt x="0" y="0"/>
+                    </a:lnTo>
+                  </a:path>
+                </a:pathLst>
+              </a:custGeom>
+              <a:ln w="40424">
+                <a:solidFill>
+                  <a:srgbClr val="21B573"/>
+                </a:solidFill>
+                <a:prstDash val="dot"/>
+              </a:ln>
+            </p:spPr>
+            <p:txBody>
+              <a:bodyPr wrap="square" lIns="0" tIns="0" rIns="0" bIns="0" rtlCol="0"/>
+              <a:lstStyle/>
+              <a:p>
+                <a:endParaRPr/>
+              </a:p>
+            </p:txBody>
+          </p:sp>
+          <p:sp>
+            <p:nvSpPr>
+              <p:cNvPr id="111" name="object 19"/>
+              <p:cNvSpPr/>
+              <p:nvPr/>
+            </p:nvSpPr>
+            <p:spPr>
+              <a:xfrm>
+                <a:off x="2849934" y="3465967"/>
+                <a:ext cx="190571" cy="229235"/>
+              </a:xfrm>
+              <a:custGeom>
+                <a:avLst/>
+                <a:gdLst/>
+                <a:ahLst/>
+                <a:cxnLst/>
+                <a:rect l="l" t="t" r="r" b="b"/>
+                <a:pathLst>
+                  <a:path w="229235" h="229235">
+                    <a:moveTo>
+                      <a:pt x="0" y="0"/>
+                    </a:moveTo>
+                    <a:lnTo>
+                      <a:pt x="228752" y="228739"/>
+                    </a:lnTo>
+                  </a:path>
+                </a:pathLst>
+              </a:custGeom>
+              <a:ln w="40424">
+                <a:solidFill>
+                  <a:srgbClr val="21B573"/>
+                </a:solidFill>
+                <a:prstDash val="dot"/>
+              </a:ln>
+            </p:spPr>
+            <p:txBody>
+              <a:bodyPr wrap="square" lIns="0" tIns="0" rIns="0" bIns="0" rtlCol="0"/>
+              <a:lstStyle/>
+              <a:p>
+                <a:endParaRPr/>
+              </a:p>
+            </p:txBody>
+          </p:sp>
+        </p:grpSp>
+        <p:sp>
+          <p:nvSpPr>
+            <p:cNvPr id="118" name="TextBox 117"/>
+            <p:cNvSpPr txBox="1"/>
+            <p:nvPr/>
+          </p:nvSpPr>
+          <p:spPr>
+            <a:xfrm>
+              <a:off x="3277988" y="3609127"/>
+              <a:ext cx="543939" cy="215444"/>
+            </a:xfrm>
+            <a:prstGeom prst="rect">
+              <a:avLst/>
+            </a:prstGeom>
+            <a:noFill/>
+            <a:ln>
+              <a:noFill/>
+            </a:ln>
+          </p:spPr>
+          <p:txBody>
+            <a:bodyPr wrap="none" rtlCol="0">
+              <a:spAutoFit/>
+            </a:bodyPr>
+            <a:lstStyle/>
+            <a:p>
+              <a:pPr eaLnBrk="0" fontAlgn="base" hangingPunct="0">
+                <a:spcAft>
+                  <a:spcPts val="0"/>
+                </a:spcAft>
+              </a:pPr>
+              <a:r>
+                <a:rPr lang="en-GB" sz="800" b="1" dirty="0">
+                  <a:solidFill>
+                    <a:srgbClr val="21B573"/>
+                  </a:solidFill>
+                  <a:latin typeface="Arial"/>
+                  <a:ea typeface="MS PGothic"/>
+                  <a:cs typeface="Times New Roman"/>
+                </a:rPr>
+                <a:t>l</a:t>
+              </a:r>
+              <a:r>
+                <a:rPr lang="en-GB" sz="800" b="1" kern="1200" dirty="0" smtClean="0">
+                  <a:solidFill>
+                    <a:srgbClr val="21B573"/>
+                  </a:solidFill>
+                  <a:effectLst/>
+                  <a:latin typeface="Arial"/>
+                  <a:ea typeface="MS PGothic"/>
+                  <a:cs typeface="Times New Roman"/>
+                </a:rPr>
+                <a:t>inker 1</a:t>
+              </a:r>
+              <a:endParaRPr lang="en-GB" sz="800" dirty="0">
+                <a:solidFill>
+                  <a:srgbClr val="21B573"/>
+                </a:solidFill>
+                <a:effectLst/>
+                <a:latin typeface="Times New Roman"/>
+                <a:ea typeface="游明朝"/>
+              </a:endParaRPr>
+            </a:p>
+          </p:txBody>
+        </p:sp>
+      </p:grpSp>
+      <p:grpSp>
+        <p:nvGrpSpPr>
+          <p:cNvPr id="13" name="Group 12"/>
+          <p:cNvGrpSpPr/>
+          <p:nvPr/>
+        </p:nvGrpSpPr>
+        <p:grpSpPr>
+          <a:xfrm>
+            <a:off x="4814515" y="4080436"/>
+            <a:ext cx="1677964" cy="365415"/>
+            <a:chOff x="5538896" y="4257048"/>
+            <a:chExt cx="1677964" cy="365415"/>
+          </a:xfrm>
+          <a:solidFill>
+            <a:srgbClr val="B52163"/>
+          </a:solidFill>
+        </p:grpSpPr>
+        <p:grpSp>
+          <p:nvGrpSpPr>
+            <p:cNvPr id="120" name="Group 119"/>
+            <p:cNvGrpSpPr/>
+            <p:nvPr/>
+          </p:nvGrpSpPr>
+          <p:grpSpPr>
+            <a:xfrm flipH="1" flipV="1">
+              <a:off x="5538896" y="4257048"/>
+              <a:ext cx="1677964" cy="365415"/>
+              <a:chOff x="2247456" y="3401620"/>
+              <a:chExt cx="1677964" cy="365415"/>
+            </a:xfrm>
+            <a:grpFill/>
+          </p:grpSpPr>
+          <p:sp>
+            <p:nvSpPr>
+              <p:cNvPr id="121" name="object 16"/>
+              <p:cNvSpPr/>
+              <p:nvPr/>
+            </p:nvSpPr>
+            <p:spPr>
+              <a:xfrm flipV="1">
+                <a:off x="3072671" y="3668320"/>
+                <a:ext cx="777260" cy="45719"/>
+              </a:xfrm>
+              <a:custGeom>
+                <a:avLst/>
+                <a:gdLst/>
+                <a:ahLst/>
+                <a:cxnLst/>
+                <a:rect l="l" t="t" r="r" b="b"/>
+                <a:pathLst>
+                  <a:path w="1220470">
+                    <a:moveTo>
+                      <a:pt x="1220076" y="0"/>
+                    </a:moveTo>
+                    <a:lnTo>
+                      <a:pt x="0" y="0"/>
+                    </a:lnTo>
+                  </a:path>
+                </a:pathLst>
+              </a:custGeom>
+              <a:grpFill/>
+              <a:ln w="40424">
+                <a:solidFill>
+                  <a:srgbClr val="B52163"/>
+                </a:solidFill>
+              </a:ln>
+            </p:spPr>
+            <p:txBody>
+              <a:bodyPr wrap="square" lIns="0" tIns="0" rIns="0" bIns="0" rtlCol="0"/>
+              <a:lstStyle/>
+              <a:p>
+                <a:endParaRPr>
+                  <a:solidFill>
+                    <a:srgbClr val="B52163"/>
+                  </a:solidFill>
+                </a:endParaRPr>
+              </a:p>
+            </p:txBody>
+          </p:sp>
+          <p:sp>
+            <p:nvSpPr>
+              <p:cNvPr id="122" name="object 17"/>
+              <p:cNvSpPr/>
+              <p:nvPr/>
+            </p:nvSpPr>
+            <p:spPr>
+              <a:xfrm>
+                <a:off x="3849931" y="3661625"/>
+                <a:ext cx="75489" cy="105410"/>
+              </a:xfrm>
+              <a:custGeom>
+                <a:avLst/>
+                <a:gdLst/>
+                <a:ahLst/>
+                <a:cxnLst/>
+                <a:rect l="l" t="t" r="r" b="b"/>
+                <a:pathLst>
+                  <a:path w="90804" h="105410">
+                    <a:moveTo>
+                      <a:pt x="0" y="0"/>
+                    </a:moveTo>
+                    <a:lnTo>
+                      <a:pt x="0" y="104825"/>
+                    </a:lnTo>
+                    <a:lnTo>
+                      <a:pt x="90754" y="52412"/>
+                    </a:lnTo>
+                    <a:lnTo>
+                      <a:pt x="0" y="0"/>
+                    </a:lnTo>
+                    <a:close/>
+                  </a:path>
+                </a:pathLst>
+              </a:custGeom>
+              <a:grpFill/>
+              <a:ln>
+                <a:solidFill>
+                  <a:srgbClr val="B52163"/>
+                </a:solidFill>
+              </a:ln>
+            </p:spPr>
+            <p:txBody>
+              <a:bodyPr wrap="square" lIns="0" tIns="0" rIns="0" bIns="0" rtlCol="0"/>
+              <a:lstStyle/>
+              <a:p>
+                <a:endParaRPr>
+                  <a:solidFill>
+                    <a:srgbClr val="B52163"/>
+                  </a:solidFill>
+                </a:endParaRPr>
+              </a:p>
+            </p:txBody>
+          </p:sp>
+          <p:sp>
+            <p:nvSpPr>
+              <p:cNvPr id="123" name="object 18"/>
+              <p:cNvSpPr/>
+              <p:nvPr/>
+            </p:nvSpPr>
+            <p:spPr>
+              <a:xfrm>
+                <a:off x="2247456" y="3401620"/>
+                <a:ext cx="549130" cy="45719"/>
+              </a:xfrm>
+              <a:custGeom>
+                <a:avLst/>
+                <a:gdLst/>
+                <a:ahLst/>
+                <a:cxnLst/>
+                <a:rect l="l" t="t" r="r" b="b"/>
+                <a:pathLst>
+                  <a:path w="683895">
+                    <a:moveTo>
+                      <a:pt x="683488" y="0"/>
+                    </a:moveTo>
+                    <a:lnTo>
+                      <a:pt x="0" y="0"/>
+                    </a:lnTo>
+                  </a:path>
+                </a:pathLst>
+              </a:custGeom>
+              <a:grpFill/>
+              <a:ln w="40424">
+                <a:solidFill>
+                  <a:srgbClr val="B52163"/>
+                </a:solidFill>
+                <a:prstDash val="dot"/>
+              </a:ln>
+            </p:spPr>
+            <p:txBody>
+              <a:bodyPr wrap="square" lIns="0" tIns="0" rIns="0" bIns="0" rtlCol="0"/>
+              <a:lstStyle/>
+              <a:p>
+                <a:endParaRPr>
+                  <a:solidFill>
+                    <a:srgbClr val="B52163"/>
+                  </a:solidFill>
+                </a:endParaRPr>
+              </a:p>
+            </p:txBody>
+          </p:sp>
+          <p:sp>
+            <p:nvSpPr>
+              <p:cNvPr id="124" name="object 19"/>
+              <p:cNvSpPr/>
+              <p:nvPr/>
+            </p:nvSpPr>
+            <p:spPr>
+              <a:xfrm>
+                <a:off x="2849934" y="3465967"/>
+                <a:ext cx="190571" cy="229235"/>
+              </a:xfrm>
+              <a:custGeom>
+                <a:avLst/>
+                <a:gdLst/>
+                <a:ahLst/>
+                <a:cxnLst/>
+                <a:rect l="l" t="t" r="r" b="b"/>
+                <a:pathLst>
+                  <a:path w="229235" h="229235">
+                    <a:moveTo>
+                      <a:pt x="0" y="0"/>
+                    </a:moveTo>
+                    <a:lnTo>
+                      <a:pt x="228752" y="228739"/>
+                    </a:lnTo>
+                  </a:path>
+                </a:pathLst>
+              </a:custGeom>
+              <a:grpFill/>
+              <a:ln w="40424">
+                <a:solidFill>
+                  <a:srgbClr val="B52163"/>
+                </a:solidFill>
+                <a:prstDash val="dot"/>
+              </a:ln>
+            </p:spPr>
+            <p:txBody>
+              <a:bodyPr wrap="square" lIns="0" tIns="0" rIns="0" bIns="0" rtlCol="0"/>
+              <a:lstStyle/>
+              <a:p>
+                <a:endParaRPr>
+                  <a:solidFill>
+                    <a:srgbClr val="B52163"/>
+                  </a:solidFill>
+                </a:endParaRPr>
+              </a:p>
+            </p:txBody>
+          </p:sp>
+        </p:grpSp>
+        <p:sp>
+          <p:nvSpPr>
+            <p:cNvPr id="125" name="TextBox 124"/>
+            <p:cNvSpPr txBox="1"/>
+            <p:nvPr/>
+          </p:nvSpPr>
+          <p:spPr>
+            <a:xfrm>
+              <a:off x="5741980" y="4286315"/>
+              <a:ext cx="543939" cy="215444"/>
+            </a:xfrm>
+            <a:prstGeom prst="rect">
+              <a:avLst/>
+            </a:prstGeom>
+            <a:noFill/>
+            <a:ln>
+              <a:noFill/>
+            </a:ln>
+          </p:spPr>
+          <p:txBody>
+            <a:bodyPr wrap="none" rtlCol="0">
+              <a:spAutoFit/>
+            </a:bodyPr>
+            <a:lstStyle/>
+            <a:p>
+              <a:pPr eaLnBrk="0" fontAlgn="base" hangingPunct="0">
+                <a:spcAft>
+                  <a:spcPts val="0"/>
+                </a:spcAft>
+              </a:pPr>
+              <a:r>
+                <a:rPr lang="en-GB" sz="800" b="1" dirty="0" smtClean="0">
+                  <a:solidFill>
+                    <a:srgbClr val="B52163"/>
+                  </a:solidFill>
+                  <a:latin typeface="Arial"/>
+                  <a:ea typeface="MS PGothic"/>
+                  <a:cs typeface="Times New Roman"/>
+                </a:rPr>
+                <a:t>l</a:t>
+              </a:r>
+              <a:r>
+                <a:rPr lang="en-GB" sz="800" b="1" kern="1200" dirty="0" smtClean="0">
+                  <a:solidFill>
+                    <a:srgbClr val="B52163"/>
+                  </a:solidFill>
+                  <a:effectLst/>
+                  <a:latin typeface="Arial"/>
+                  <a:ea typeface="MS PGothic"/>
+                  <a:cs typeface="Times New Roman"/>
+                </a:rPr>
+                <a:t>inker 2</a:t>
+              </a:r>
+              <a:endParaRPr lang="en-GB" sz="800" dirty="0">
+                <a:solidFill>
+                  <a:srgbClr val="B52163"/>
+                </a:solidFill>
+                <a:effectLst/>
+                <a:latin typeface="Times New Roman"/>
+                <a:ea typeface="游明朝"/>
+              </a:endParaRPr>
+            </a:p>
+          </p:txBody>
+        </p:sp>
+      </p:grpSp>
+      <p:cxnSp>
+        <p:nvCxnSpPr>
+          <p:cNvPr id="126" name="Straight Connector 125"/>
+          <p:cNvCxnSpPr/>
+          <p:nvPr/>
+        </p:nvCxnSpPr>
+        <p:spPr>
+          <a:xfrm>
+            <a:off x="6945870" y="2237261"/>
+            <a:ext cx="694726" cy="902018"/>
+          </a:xfrm>
+          <a:prstGeom prst="line">
+            <a:avLst/>
+          </a:prstGeom>
+          <a:ln>
+            <a:solidFill>
+              <a:srgbClr val="400080"/>
+            </a:solidFill>
+            <a:prstDash val="dot"/>
+          </a:ln>
+          <a:effectLst/>
+        </p:spPr>
+        <p:style>
+          <a:lnRef idx="2">
+            <a:schemeClr val="accent1"/>
+          </a:lnRef>
+          <a:fillRef idx="0">
+            <a:schemeClr val="accent1"/>
+          </a:fillRef>
+          <a:effectRef idx="1">
+            <a:schemeClr val="accent1"/>
+          </a:effectRef>
+          <a:fontRef idx="minor">
+            <a:schemeClr val="tx1"/>
+          </a:fontRef>
+        </p:style>
+      </p:cxnSp>
+      <p:sp>
+        <p:nvSpPr>
+          <p:cNvPr id="127" name="TextBox 126"/>
+          <p:cNvSpPr txBox="1"/>
+          <p:nvPr/>
+        </p:nvSpPr>
+        <p:spPr>
+          <a:xfrm>
+            <a:off x="5699430" y="3647959"/>
+            <a:ext cx="1837962" cy="338554"/>
+          </a:xfrm>
+          <a:prstGeom prst="rect">
+            <a:avLst/>
+          </a:prstGeom>
+          <a:noFill/>
+        </p:spPr>
+        <p:txBody>
+          <a:bodyPr wrap="square" rtlCol="0">
+            <a:spAutoFit/>
+          </a:bodyPr>
+          <a:lstStyle/>
+          <a:p>
+            <a:pPr eaLnBrk="0" fontAlgn="base" hangingPunct="0">
+              <a:spcAft>
+                <a:spcPts val="0"/>
+              </a:spcAft>
+            </a:pPr>
+            <a:r>
+              <a:rPr lang="fr-FR" sz="800" dirty="0" smtClean="0">
+                <a:solidFill>
+                  <a:srgbClr val="000000"/>
+                </a:solidFill>
+                <a:latin typeface="Arial"/>
+                <a:ea typeface="Lucida Grande"/>
+                <a:cs typeface="Arial"/>
+              </a:rPr>
+              <a:t>Select </a:t>
+            </a:r>
+            <a:r>
+              <a:rPr lang="fr-FR" sz="800" b="1" dirty="0" smtClean="0">
+                <a:solidFill>
+                  <a:srgbClr val="000000"/>
+                </a:solidFill>
+                <a:latin typeface="Arial"/>
+                <a:ea typeface="Lucida Grande"/>
+                <a:cs typeface="Arial"/>
+              </a:rPr>
+              <a:t>FALSE </a:t>
+            </a:r>
+            <a:r>
+              <a:rPr lang="fr-FR" sz="800" dirty="0" smtClean="0">
+                <a:solidFill>
+                  <a:srgbClr val="000000"/>
+                </a:solidFill>
+                <a:latin typeface="Arial"/>
+                <a:ea typeface="Lucida Grande"/>
+                <a:cs typeface="Arial"/>
+              </a:rPr>
+              <a:t>for ‘</a:t>
+            </a:r>
+            <a:r>
+              <a:rPr lang="fr-FR" sz="800" b="1" dirty="0" err="1" smtClean="0">
+                <a:solidFill>
+                  <a:srgbClr val="000000"/>
+                </a:solidFill>
+                <a:latin typeface="Arial"/>
+                <a:ea typeface="Lucida Grande"/>
+                <a:cs typeface="Arial"/>
+              </a:rPr>
+              <a:t>refseq_orientation_match</a:t>
+            </a:r>
+            <a:r>
+              <a:rPr lang="fr-FR" sz="800" dirty="0" smtClean="0">
+                <a:solidFill>
+                  <a:srgbClr val="000000"/>
+                </a:solidFill>
+                <a:latin typeface="Arial"/>
+                <a:ea typeface="Lucida Grande"/>
+                <a:cs typeface="Arial"/>
+              </a:rPr>
+              <a:t>’ </a:t>
+            </a:r>
+            <a:r>
+              <a:rPr lang="fr-FR" sz="800" dirty="0" err="1" smtClean="0">
+                <a:solidFill>
+                  <a:srgbClr val="000000"/>
+                </a:solidFill>
+                <a:latin typeface="Arial"/>
+                <a:ea typeface="Lucida Grande"/>
+                <a:cs typeface="Arial"/>
+              </a:rPr>
+              <a:t>column</a:t>
+            </a:r>
+            <a:endParaRPr lang="en-GB" sz="800" dirty="0">
+              <a:solidFill>
+                <a:schemeClr val="tx2"/>
+              </a:solidFill>
+              <a:effectLst/>
+              <a:latin typeface="Arial"/>
+              <a:ea typeface="游明朝"/>
+              <a:cs typeface="Arial"/>
+            </a:endParaRPr>
+          </a:p>
+        </p:txBody>
+      </p:sp>
+      <p:sp>
+        <p:nvSpPr>
+          <p:cNvPr id="47" name="object 15"/>
+          <p:cNvSpPr/>
+          <p:nvPr/>
+        </p:nvSpPr>
+        <p:spPr>
+          <a:xfrm>
+            <a:off x="2453839" y="5139344"/>
+            <a:ext cx="3260099" cy="136006"/>
+          </a:xfrm>
+          <a:custGeom>
+            <a:avLst/>
+            <a:gdLst/>
+            <a:ahLst/>
+            <a:cxnLst/>
+            <a:rect l="l" t="t" r="r" b="b"/>
+            <a:pathLst>
+              <a:path w="4334509" h="139700">
+                <a:moveTo>
+                  <a:pt x="4304652" y="0"/>
+                </a:moveTo>
+                <a:lnTo>
+                  <a:pt x="29248" y="0"/>
+                </a:lnTo>
+                <a:lnTo>
+                  <a:pt x="17895" y="2307"/>
+                </a:lnTo>
+                <a:lnTo>
+                  <a:pt x="8594" y="8589"/>
+                </a:lnTo>
+                <a:lnTo>
+                  <a:pt x="2309" y="17889"/>
+                </a:lnTo>
+                <a:lnTo>
+                  <a:pt x="0" y="29248"/>
+                </a:lnTo>
+                <a:lnTo>
+                  <a:pt x="0" y="110451"/>
+                </a:lnTo>
+                <a:lnTo>
+                  <a:pt x="2309" y="121810"/>
+                </a:lnTo>
+                <a:lnTo>
+                  <a:pt x="8594" y="131110"/>
+                </a:lnTo>
+                <a:lnTo>
+                  <a:pt x="17895" y="137392"/>
+                </a:lnTo>
+                <a:lnTo>
+                  <a:pt x="29248" y="139700"/>
+                </a:lnTo>
+                <a:lnTo>
+                  <a:pt x="4304652" y="139700"/>
+                </a:lnTo>
+                <a:lnTo>
+                  <a:pt x="4316010" y="137392"/>
+                </a:lnTo>
+                <a:lnTo>
+                  <a:pt x="4325310" y="131110"/>
+                </a:lnTo>
+                <a:lnTo>
+                  <a:pt x="4331593" y="121810"/>
+                </a:lnTo>
+                <a:lnTo>
+                  <a:pt x="4333900" y="110451"/>
+                </a:lnTo>
+                <a:lnTo>
+                  <a:pt x="4333900" y="29248"/>
+                </a:lnTo>
+                <a:lnTo>
+                  <a:pt x="4331593" y="17889"/>
+                </a:lnTo>
+                <a:lnTo>
+                  <a:pt x="4325310" y="8589"/>
+                </a:lnTo>
+                <a:lnTo>
+                  <a:pt x="4316010" y="2307"/>
+                </a:lnTo>
+                <a:lnTo>
+                  <a:pt x="4304652" y="0"/>
+                </a:lnTo>
+                <a:close/>
+              </a:path>
+            </a:pathLst>
+          </a:custGeom>
+          <a:solidFill>
+            <a:srgbClr val="63A2E1"/>
+          </a:solidFill>
+        </p:spPr>
+        <p:txBody>
+          <a:bodyPr wrap="square" lIns="0" tIns="0" rIns="0" bIns="0" rtlCol="0"/>
+          <a:lstStyle/>
+          <a:p>
+            <a:endParaRPr/>
+          </a:p>
+        </p:txBody>
+      </p:sp>
+      <p:sp>
+        <p:nvSpPr>
+          <p:cNvPr id="48" name="object 23"/>
+          <p:cNvSpPr/>
+          <p:nvPr/>
+        </p:nvSpPr>
+        <p:spPr>
+          <a:xfrm>
+            <a:off x="2453837" y="4937239"/>
+            <a:ext cx="3260101" cy="139700"/>
+          </a:xfrm>
+          <a:custGeom>
+            <a:avLst/>
+            <a:gdLst/>
+            <a:ahLst/>
+            <a:cxnLst/>
+            <a:rect l="l" t="t" r="r" b="b"/>
+            <a:pathLst>
+              <a:path w="4334509" h="139700">
+                <a:moveTo>
+                  <a:pt x="4304652" y="0"/>
+                </a:moveTo>
+                <a:lnTo>
+                  <a:pt x="29248" y="0"/>
+                </a:lnTo>
+                <a:lnTo>
+                  <a:pt x="17895" y="2307"/>
+                </a:lnTo>
+                <a:lnTo>
+                  <a:pt x="8594" y="8589"/>
+                </a:lnTo>
+                <a:lnTo>
+                  <a:pt x="2309" y="17889"/>
+                </a:lnTo>
+                <a:lnTo>
+                  <a:pt x="0" y="29248"/>
+                </a:lnTo>
+                <a:lnTo>
+                  <a:pt x="0" y="110451"/>
+                </a:lnTo>
+                <a:lnTo>
+                  <a:pt x="2309" y="121810"/>
+                </a:lnTo>
+                <a:lnTo>
+                  <a:pt x="8594" y="131110"/>
+                </a:lnTo>
+                <a:lnTo>
+                  <a:pt x="17895" y="137392"/>
+                </a:lnTo>
+                <a:lnTo>
+                  <a:pt x="29248" y="139700"/>
+                </a:lnTo>
+                <a:lnTo>
+                  <a:pt x="4304652" y="139700"/>
+                </a:lnTo>
+                <a:lnTo>
+                  <a:pt x="4316010" y="137392"/>
+                </a:lnTo>
+                <a:lnTo>
+                  <a:pt x="4325310" y="131110"/>
+                </a:lnTo>
+                <a:lnTo>
+                  <a:pt x="4331593" y="121810"/>
+                </a:lnTo>
+                <a:lnTo>
+                  <a:pt x="4333900" y="110451"/>
+                </a:lnTo>
+                <a:lnTo>
+                  <a:pt x="4333900" y="29248"/>
+                </a:lnTo>
+                <a:lnTo>
+                  <a:pt x="4331593" y="17889"/>
+                </a:lnTo>
+                <a:lnTo>
+                  <a:pt x="4325310" y="8589"/>
+                </a:lnTo>
+                <a:lnTo>
+                  <a:pt x="4316010" y="2307"/>
+                </a:lnTo>
+                <a:lnTo>
+                  <a:pt x="4304652" y="0"/>
+                </a:lnTo>
+                <a:close/>
+              </a:path>
+            </a:pathLst>
+          </a:custGeom>
+          <a:solidFill>
+            <a:srgbClr val="E1A263"/>
+          </a:solidFill>
+          <a:ln>
+            <a:noFill/>
+          </a:ln>
+        </p:spPr>
+        <p:txBody>
+          <a:bodyPr wrap="square" lIns="0" tIns="0" rIns="0" bIns="0" rtlCol="0"/>
+          <a:lstStyle/>
+          <a:p>
+            <a:endParaRPr/>
+          </a:p>
+        </p:txBody>
+      </p:sp>
+      <p:grpSp>
+        <p:nvGrpSpPr>
+          <p:cNvPr id="49" name="Group 48"/>
+          <p:cNvGrpSpPr/>
+          <p:nvPr/>
+        </p:nvGrpSpPr>
+        <p:grpSpPr>
+          <a:xfrm>
+            <a:off x="1635275" y="4536895"/>
+            <a:ext cx="1677964" cy="365415"/>
+            <a:chOff x="2315840" y="3488091"/>
+            <a:chExt cx="1677964" cy="365415"/>
+          </a:xfrm>
+          <a:solidFill>
+            <a:srgbClr val="B52163"/>
+          </a:solidFill>
+        </p:grpSpPr>
+        <p:grpSp>
+          <p:nvGrpSpPr>
+            <p:cNvPr id="50" name="Group 49"/>
+            <p:cNvGrpSpPr/>
+            <p:nvPr/>
+          </p:nvGrpSpPr>
+          <p:grpSpPr>
+            <a:xfrm>
+              <a:off x="2315840" y="3488091"/>
+              <a:ext cx="1677964" cy="365415"/>
+              <a:chOff x="2247456" y="3401620"/>
+              <a:chExt cx="1677964" cy="365415"/>
+            </a:xfrm>
+            <a:grpFill/>
+          </p:grpSpPr>
+          <p:sp>
+            <p:nvSpPr>
+              <p:cNvPr id="52" name="object 16"/>
+              <p:cNvSpPr/>
+              <p:nvPr/>
+            </p:nvSpPr>
+            <p:spPr>
+              <a:xfrm flipV="1">
+                <a:off x="3072671" y="3668320"/>
+                <a:ext cx="777260" cy="45719"/>
+              </a:xfrm>
+              <a:custGeom>
+                <a:avLst/>
+                <a:gdLst/>
+                <a:ahLst/>
+                <a:cxnLst/>
+                <a:rect l="l" t="t" r="r" b="b"/>
+                <a:pathLst>
+                  <a:path w="1220470">
+                    <a:moveTo>
+                      <a:pt x="1220076" y="0"/>
+                    </a:moveTo>
+                    <a:lnTo>
+                      <a:pt x="0" y="0"/>
+                    </a:lnTo>
+                  </a:path>
+                </a:pathLst>
+              </a:custGeom>
+              <a:grpFill/>
+              <a:ln w="40424">
+                <a:solidFill>
+                  <a:srgbClr val="B52163"/>
+                </a:solidFill>
+              </a:ln>
+            </p:spPr>
+            <p:txBody>
+              <a:bodyPr wrap="square" lIns="0" tIns="0" rIns="0" bIns="0" rtlCol="0"/>
+              <a:lstStyle/>
+              <a:p>
+                <a:endParaRPr>
+                  <a:solidFill>
+                    <a:srgbClr val="B52163"/>
+                  </a:solidFill>
+                </a:endParaRPr>
+              </a:p>
+            </p:txBody>
+          </p:sp>
+          <p:sp>
+            <p:nvSpPr>
+              <p:cNvPr id="53" name="object 17"/>
+              <p:cNvSpPr/>
+              <p:nvPr/>
+            </p:nvSpPr>
+            <p:spPr>
+              <a:xfrm>
+                <a:off x="3849931" y="3661625"/>
+                <a:ext cx="75489" cy="105410"/>
+              </a:xfrm>
+              <a:custGeom>
+                <a:avLst/>
+                <a:gdLst/>
+                <a:ahLst/>
+                <a:cxnLst/>
+                <a:rect l="l" t="t" r="r" b="b"/>
+                <a:pathLst>
+                  <a:path w="90804" h="105410">
+                    <a:moveTo>
+                      <a:pt x="0" y="0"/>
+                    </a:moveTo>
+                    <a:lnTo>
+                      <a:pt x="0" y="104825"/>
+                    </a:lnTo>
+                    <a:lnTo>
+                      <a:pt x="90754" y="52412"/>
+                    </a:lnTo>
+                    <a:lnTo>
+                      <a:pt x="0" y="0"/>
+                    </a:lnTo>
+                    <a:close/>
+                  </a:path>
+                </a:pathLst>
+              </a:custGeom>
+              <a:grpFill/>
+              <a:ln>
+                <a:solidFill>
+                  <a:srgbClr val="B52163"/>
+                </a:solidFill>
+              </a:ln>
+            </p:spPr>
+            <p:txBody>
+              <a:bodyPr wrap="square" lIns="0" tIns="0" rIns="0" bIns="0" rtlCol="0"/>
+              <a:lstStyle/>
+              <a:p>
+                <a:endParaRPr>
+                  <a:solidFill>
+                    <a:srgbClr val="B52163"/>
+                  </a:solidFill>
+                </a:endParaRPr>
+              </a:p>
+            </p:txBody>
+          </p:sp>
+          <p:sp>
+            <p:nvSpPr>
+              <p:cNvPr id="54" name="object 18"/>
+              <p:cNvSpPr/>
+              <p:nvPr/>
+            </p:nvSpPr>
+            <p:spPr>
+              <a:xfrm>
+                <a:off x="2247456" y="3401620"/>
+                <a:ext cx="549130" cy="45719"/>
+              </a:xfrm>
+              <a:custGeom>
+                <a:avLst/>
+                <a:gdLst/>
+                <a:ahLst/>
+                <a:cxnLst/>
+                <a:rect l="l" t="t" r="r" b="b"/>
+                <a:pathLst>
+                  <a:path w="683895">
+                    <a:moveTo>
+                      <a:pt x="683488" y="0"/>
+                    </a:moveTo>
+                    <a:lnTo>
+                      <a:pt x="0" y="0"/>
+                    </a:lnTo>
+                  </a:path>
+                </a:pathLst>
+              </a:custGeom>
+              <a:grpFill/>
+              <a:ln w="40424">
+                <a:solidFill>
+                  <a:srgbClr val="B52163"/>
+                </a:solidFill>
+                <a:prstDash val="dot"/>
+              </a:ln>
+            </p:spPr>
+            <p:txBody>
+              <a:bodyPr wrap="square" lIns="0" tIns="0" rIns="0" bIns="0" rtlCol="0"/>
+              <a:lstStyle/>
+              <a:p>
+                <a:endParaRPr>
+                  <a:solidFill>
+                    <a:srgbClr val="B52163"/>
+                  </a:solidFill>
+                </a:endParaRPr>
+              </a:p>
+            </p:txBody>
+          </p:sp>
+          <p:sp>
+            <p:nvSpPr>
+              <p:cNvPr id="55" name="object 19"/>
+              <p:cNvSpPr/>
+              <p:nvPr/>
+            </p:nvSpPr>
+            <p:spPr>
+              <a:xfrm>
+                <a:off x="2849934" y="3465967"/>
+                <a:ext cx="190571" cy="229235"/>
+              </a:xfrm>
+              <a:custGeom>
+                <a:avLst/>
+                <a:gdLst/>
+                <a:ahLst/>
+                <a:cxnLst/>
+                <a:rect l="l" t="t" r="r" b="b"/>
+                <a:pathLst>
+                  <a:path w="229235" h="229235">
+                    <a:moveTo>
+                      <a:pt x="0" y="0"/>
+                    </a:moveTo>
+                    <a:lnTo>
+                      <a:pt x="228752" y="228739"/>
+                    </a:lnTo>
+                  </a:path>
+                </a:pathLst>
+              </a:custGeom>
+              <a:grpFill/>
+              <a:ln w="40424">
+                <a:solidFill>
+                  <a:srgbClr val="B52163"/>
+                </a:solidFill>
+                <a:prstDash val="dot"/>
+              </a:ln>
+            </p:spPr>
+            <p:txBody>
+              <a:bodyPr wrap="square" lIns="0" tIns="0" rIns="0" bIns="0" rtlCol="0"/>
+              <a:lstStyle/>
+              <a:p>
+                <a:endParaRPr>
+                  <a:solidFill>
+                    <a:srgbClr val="B52163"/>
+                  </a:solidFill>
+                </a:endParaRPr>
+              </a:p>
+            </p:txBody>
+          </p:sp>
+        </p:grpSp>
+        <p:sp>
+          <p:nvSpPr>
+            <p:cNvPr id="51" name="TextBox 50"/>
+            <p:cNvSpPr txBox="1"/>
+            <p:nvPr/>
+          </p:nvSpPr>
+          <p:spPr>
+            <a:xfrm>
+              <a:off x="3277988" y="3609127"/>
+              <a:ext cx="543939" cy="215444"/>
+            </a:xfrm>
+            <a:prstGeom prst="rect">
+              <a:avLst/>
+            </a:prstGeom>
+            <a:noFill/>
+            <a:ln>
+              <a:noFill/>
+            </a:ln>
+          </p:spPr>
+          <p:txBody>
+            <a:bodyPr wrap="none" rtlCol="0">
+              <a:spAutoFit/>
+            </a:bodyPr>
+            <a:lstStyle/>
+            <a:p>
+              <a:pPr eaLnBrk="0" fontAlgn="base" hangingPunct="0">
+                <a:spcAft>
+                  <a:spcPts val="0"/>
+                </a:spcAft>
+              </a:pPr>
+              <a:r>
+                <a:rPr lang="en-GB" sz="800" b="1" dirty="0" smtClean="0">
+                  <a:solidFill>
+                    <a:srgbClr val="B52163"/>
+                  </a:solidFill>
+                  <a:latin typeface="Arial"/>
+                  <a:ea typeface="MS PGothic"/>
+                  <a:cs typeface="Times New Roman"/>
+                </a:rPr>
+                <a:t>l</a:t>
+              </a:r>
+              <a:r>
+                <a:rPr lang="en-GB" sz="800" b="1" kern="1200" dirty="0" smtClean="0">
+                  <a:solidFill>
+                    <a:srgbClr val="B52163"/>
+                  </a:solidFill>
+                  <a:effectLst/>
+                  <a:latin typeface="Arial"/>
+                  <a:ea typeface="MS PGothic"/>
+                  <a:cs typeface="Times New Roman"/>
+                </a:rPr>
+                <a:t>inker 2</a:t>
+              </a:r>
+              <a:endParaRPr lang="en-GB" sz="800" dirty="0">
+                <a:solidFill>
+                  <a:srgbClr val="B52163"/>
+                </a:solidFill>
+                <a:effectLst/>
+                <a:latin typeface="Times New Roman"/>
+                <a:ea typeface="游明朝"/>
+              </a:endParaRPr>
+            </a:p>
+          </p:txBody>
+        </p:sp>
+      </p:grpSp>
+      <p:grpSp>
+        <p:nvGrpSpPr>
+          <p:cNvPr id="56" name="Group 55"/>
+          <p:cNvGrpSpPr/>
+          <p:nvPr/>
+        </p:nvGrpSpPr>
+        <p:grpSpPr>
+          <a:xfrm>
+            <a:off x="4858331" y="5305852"/>
+            <a:ext cx="1677964" cy="365415"/>
+            <a:chOff x="5538896" y="4257048"/>
+            <a:chExt cx="1677964" cy="365415"/>
+          </a:xfrm>
+          <a:solidFill>
+            <a:srgbClr val="21B573"/>
+          </a:solidFill>
+        </p:grpSpPr>
+        <p:grpSp>
+          <p:nvGrpSpPr>
+            <p:cNvPr id="57" name="Group 56"/>
+            <p:cNvGrpSpPr/>
+            <p:nvPr/>
+          </p:nvGrpSpPr>
+          <p:grpSpPr>
+            <a:xfrm flipH="1" flipV="1">
+              <a:off x="5538896" y="4257048"/>
+              <a:ext cx="1677964" cy="365415"/>
+              <a:chOff x="2247456" y="3401620"/>
+              <a:chExt cx="1677964" cy="365415"/>
+            </a:xfrm>
+            <a:grpFill/>
+          </p:grpSpPr>
+          <p:sp>
+            <p:nvSpPr>
+              <p:cNvPr id="59" name="object 16"/>
+              <p:cNvSpPr/>
+              <p:nvPr/>
+            </p:nvSpPr>
+            <p:spPr>
+              <a:xfrm flipV="1">
+                <a:off x="3072671" y="3668320"/>
+                <a:ext cx="777260" cy="45719"/>
+              </a:xfrm>
+              <a:custGeom>
+                <a:avLst/>
+                <a:gdLst/>
+                <a:ahLst/>
+                <a:cxnLst/>
+                <a:rect l="l" t="t" r="r" b="b"/>
+                <a:pathLst>
+                  <a:path w="1220470">
+                    <a:moveTo>
+                      <a:pt x="1220076" y="0"/>
+                    </a:moveTo>
+                    <a:lnTo>
+                      <a:pt x="0" y="0"/>
+                    </a:lnTo>
+                  </a:path>
+                </a:pathLst>
+              </a:custGeom>
+              <a:grpFill/>
+              <a:ln w="40424">
+                <a:solidFill>
+                  <a:srgbClr val="21B573"/>
+                </a:solidFill>
+              </a:ln>
+            </p:spPr>
+            <p:txBody>
+              <a:bodyPr wrap="square" lIns="0" tIns="0" rIns="0" bIns="0" rtlCol="0"/>
+              <a:lstStyle/>
+              <a:p>
+                <a:endParaRPr>
+                  <a:solidFill>
+                    <a:srgbClr val="21B573"/>
+                  </a:solidFill>
+                </a:endParaRPr>
+              </a:p>
+            </p:txBody>
+          </p:sp>
+          <p:sp>
+            <p:nvSpPr>
+              <p:cNvPr id="60" name="object 17"/>
+              <p:cNvSpPr/>
+              <p:nvPr/>
+            </p:nvSpPr>
+            <p:spPr>
+              <a:xfrm>
+                <a:off x="3849931" y="3661625"/>
+                <a:ext cx="75489" cy="105410"/>
+              </a:xfrm>
+              <a:custGeom>
+                <a:avLst/>
+                <a:gdLst/>
+                <a:ahLst/>
+                <a:cxnLst/>
+                <a:rect l="l" t="t" r="r" b="b"/>
+                <a:pathLst>
+                  <a:path w="90804" h="105410">
+                    <a:moveTo>
+                      <a:pt x="0" y="0"/>
+                    </a:moveTo>
+                    <a:lnTo>
+                      <a:pt x="0" y="104825"/>
+                    </a:lnTo>
+                    <a:lnTo>
+                      <a:pt x="90754" y="52412"/>
+                    </a:lnTo>
+                    <a:lnTo>
+                      <a:pt x="0" y="0"/>
+                    </a:lnTo>
+                    <a:close/>
+                  </a:path>
+                </a:pathLst>
+              </a:custGeom>
+              <a:grpFill/>
+              <a:ln>
+                <a:solidFill>
+                  <a:srgbClr val="21B573"/>
+                </a:solidFill>
+              </a:ln>
+            </p:spPr>
+            <p:txBody>
+              <a:bodyPr wrap="square" lIns="0" tIns="0" rIns="0" bIns="0" rtlCol="0"/>
+              <a:lstStyle/>
+              <a:p>
+                <a:endParaRPr>
+                  <a:solidFill>
+                    <a:srgbClr val="21B573"/>
+                  </a:solidFill>
+                </a:endParaRPr>
+              </a:p>
+            </p:txBody>
+          </p:sp>
+          <p:sp>
+            <p:nvSpPr>
+              <p:cNvPr id="61" name="object 18"/>
+              <p:cNvSpPr/>
+              <p:nvPr/>
+            </p:nvSpPr>
+            <p:spPr>
+              <a:xfrm>
+                <a:off x="2247456" y="3401620"/>
+                <a:ext cx="549130" cy="45719"/>
+              </a:xfrm>
+              <a:custGeom>
+                <a:avLst/>
+                <a:gdLst/>
+                <a:ahLst/>
+                <a:cxnLst/>
+                <a:rect l="l" t="t" r="r" b="b"/>
+                <a:pathLst>
+                  <a:path w="683895">
+                    <a:moveTo>
+                      <a:pt x="683488" y="0"/>
+                    </a:moveTo>
+                    <a:lnTo>
+                      <a:pt x="0" y="0"/>
+                    </a:lnTo>
+                  </a:path>
+                </a:pathLst>
+              </a:custGeom>
+              <a:grpFill/>
+              <a:ln w="40424">
+                <a:solidFill>
+                  <a:srgbClr val="21B573"/>
+                </a:solidFill>
+                <a:prstDash val="dot"/>
+              </a:ln>
+            </p:spPr>
+            <p:txBody>
+              <a:bodyPr wrap="square" lIns="0" tIns="0" rIns="0" bIns="0" rtlCol="0"/>
+              <a:lstStyle/>
+              <a:p>
+                <a:endParaRPr>
+                  <a:solidFill>
+                    <a:srgbClr val="21B573"/>
+                  </a:solidFill>
+                </a:endParaRPr>
+              </a:p>
+            </p:txBody>
+          </p:sp>
+          <p:sp>
+            <p:nvSpPr>
+              <p:cNvPr id="62" name="object 19"/>
+              <p:cNvSpPr/>
+              <p:nvPr/>
+            </p:nvSpPr>
+            <p:spPr>
+              <a:xfrm>
+                <a:off x="2849934" y="3465967"/>
+                <a:ext cx="190571" cy="229235"/>
+              </a:xfrm>
+              <a:custGeom>
+                <a:avLst/>
+                <a:gdLst/>
+                <a:ahLst/>
+                <a:cxnLst/>
+                <a:rect l="l" t="t" r="r" b="b"/>
+                <a:pathLst>
+                  <a:path w="229235" h="229235">
+                    <a:moveTo>
+                      <a:pt x="0" y="0"/>
+                    </a:moveTo>
+                    <a:lnTo>
+                      <a:pt x="228752" y="228739"/>
+                    </a:lnTo>
+                  </a:path>
+                </a:pathLst>
+              </a:custGeom>
+              <a:grpFill/>
+              <a:ln w="40424">
+                <a:solidFill>
+                  <a:srgbClr val="21B573"/>
+                </a:solidFill>
+                <a:prstDash val="dot"/>
+              </a:ln>
+            </p:spPr>
+            <p:txBody>
+              <a:bodyPr wrap="square" lIns="0" tIns="0" rIns="0" bIns="0" rtlCol="0"/>
+              <a:lstStyle/>
+              <a:p>
+                <a:endParaRPr>
+                  <a:solidFill>
+                    <a:srgbClr val="21B573"/>
+                  </a:solidFill>
+                </a:endParaRPr>
+              </a:p>
+            </p:txBody>
+          </p:sp>
+        </p:grpSp>
+        <p:sp>
+          <p:nvSpPr>
+            <p:cNvPr id="58" name="TextBox 57"/>
+            <p:cNvSpPr txBox="1"/>
+            <p:nvPr/>
+          </p:nvSpPr>
+          <p:spPr>
+            <a:xfrm>
+              <a:off x="5741980" y="4286315"/>
+              <a:ext cx="543939" cy="215444"/>
+            </a:xfrm>
+            <a:prstGeom prst="rect">
+              <a:avLst/>
+            </a:prstGeom>
+            <a:noFill/>
+            <a:ln>
+              <a:noFill/>
+            </a:ln>
+          </p:spPr>
+          <p:txBody>
+            <a:bodyPr wrap="none" rtlCol="0">
+              <a:spAutoFit/>
+            </a:bodyPr>
+            <a:lstStyle/>
+            <a:p>
+              <a:pPr eaLnBrk="0" fontAlgn="base" hangingPunct="0">
+                <a:spcAft>
+                  <a:spcPts val="0"/>
+                </a:spcAft>
+              </a:pPr>
+              <a:r>
+                <a:rPr lang="en-GB" sz="800" b="1" dirty="0" smtClean="0">
+                  <a:solidFill>
+                    <a:srgbClr val="21B573"/>
+                  </a:solidFill>
+                  <a:latin typeface="Arial"/>
+                  <a:ea typeface="MS PGothic"/>
+                  <a:cs typeface="Times New Roman"/>
+                </a:rPr>
+                <a:t>l</a:t>
+              </a:r>
+              <a:r>
+                <a:rPr lang="en-GB" sz="800" b="1" kern="1200" dirty="0" smtClean="0">
+                  <a:solidFill>
+                    <a:srgbClr val="21B573"/>
+                  </a:solidFill>
+                  <a:effectLst/>
+                  <a:latin typeface="Arial"/>
+                  <a:ea typeface="MS PGothic"/>
+                  <a:cs typeface="Times New Roman"/>
+                </a:rPr>
+                <a:t>inker 1</a:t>
+              </a:r>
+              <a:endParaRPr lang="en-GB" sz="800" dirty="0">
+                <a:solidFill>
+                  <a:srgbClr val="21B573"/>
+                </a:solidFill>
+                <a:effectLst/>
+                <a:latin typeface="Times New Roman"/>
+                <a:ea typeface="游明朝"/>
+              </a:endParaRPr>
+            </a:p>
+          </p:txBody>
+        </p:sp>
+      </p:grpSp>
+      <p:sp>
+        <p:nvSpPr>
+          <p:cNvPr id="65" name="TextBox 64"/>
+          <p:cNvSpPr txBox="1"/>
+          <p:nvPr/>
+        </p:nvSpPr>
+        <p:spPr>
+          <a:xfrm>
+            <a:off x="5743246" y="4897183"/>
+            <a:ext cx="1837962" cy="338554"/>
+          </a:xfrm>
+          <a:prstGeom prst="rect">
+            <a:avLst/>
+          </a:prstGeom>
+          <a:noFill/>
+        </p:spPr>
+        <p:txBody>
+          <a:bodyPr wrap="square" rtlCol="0">
+            <a:spAutoFit/>
+          </a:bodyPr>
+          <a:lstStyle/>
+          <a:p>
+            <a:pPr eaLnBrk="0" fontAlgn="base" hangingPunct="0">
+              <a:spcAft>
+                <a:spcPts val="0"/>
+              </a:spcAft>
+            </a:pPr>
+            <a:r>
+              <a:rPr lang="fr-FR" sz="800" dirty="0" smtClean="0">
+                <a:solidFill>
+                  <a:srgbClr val="000000"/>
+                </a:solidFill>
+                <a:latin typeface="Arial"/>
+                <a:ea typeface="Lucida Grande"/>
+                <a:cs typeface="Arial"/>
+              </a:rPr>
+              <a:t>Select </a:t>
+            </a:r>
+            <a:r>
+              <a:rPr lang="fr-FR" sz="800" b="1" dirty="0" smtClean="0">
+                <a:solidFill>
+                  <a:srgbClr val="000000"/>
+                </a:solidFill>
+                <a:latin typeface="Arial"/>
+                <a:ea typeface="Lucida Grande"/>
+                <a:cs typeface="Arial"/>
+              </a:rPr>
+              <a:t>TRUE </a:t>
+            </a:r>
+            <a:r>
+              <a:rPr lang="fr-FR" sz="800" dirty="0" smtClean="0">
+                <a:solidFill>
+                  <a:srgbClr val="000000"/>
+                </a:solidFill>
+                <a:latin typeface="Arial"/>
+                <a:ea typeface="Lucida Grande"/>
+                <a:cs typeface="Arial"/>
+              </a:rPr>
+              <a:t>for ‘</a:t>
+            </a:r>
+            <a:r>
+              <a:rPr lang="fr-FR" sz="800" b="1" dirty="0" err="1" smtClean="0">
+                <a:solidFill>
+                  <a:srgbClr val="000000"/>
+                </a:solidFill>
+                <a:latin typeface="Arial"/>
+                <a:ea typeface="Lucida Grande"/>
+                <a:cs typeface="Arial"/>
+              </a:rPr>
+              <a:t>refseq_orientation_match</a:t>
+            </a:r>
+            <a:r>
+              <a:rPr lang="fr-FR" sz="800" dirty="0" smtClean="0">
+                <a:solidFill>
+                  <a:srgbClr val="000000"/>
+                </a:solidFill>
+                <a:latin typeface="Arial"/>
+                <a:ea typeface="Lucida Grande"/>
+                <a:cs typeface="Arial"/>
+              </a:rPr>
+              <a:t>’ </a:t>
+            </a:r>
+            <a:r>
+              <a:rPr lang="fr-FR" sz="800" dirty="0" err="1" smtClean="0">
+                <a:solidFill>
+                  <a:srgbClr val="000000"/>
+                </a:solidFill>
+                <a:latin typeface="Arial"/>
+                <a:ea typeface="Lucida Grande"/>
+                <a:cs typeface="Arial"/>
+              </a:rPr>
+              <a:t>column</a:t>
+            </a:r>
+            <a:endParaRPr lang="en-GB" sz="800" dirty="0">
+              <a:solidFill>
+                <a:schemeClr val="tx2"/>
+              </a:solidFill>
+              <a:effectLst/>
+              <a:latin typeface="Arial"/>
+              <a:ea typeface="游明朝"/>
+              <a:cs typeface="Arial"/>
+            </a:endParaRPr>
+          </a:p>
+        </p:txBody>
+      </p:sp>
+      <p:sp>
+        <p:nvSpPr>
+          <p:cNvPr id="77" name="Right Arrow 76"/>
+          <p:cNvSpPr/>
+          <p:nvPr/>
+        </p:nvSpPr>
+        <p:spPr bwMode="auto">
+          <a:xfrm flipH="1">
+            <a:off x="1251002" y="1823827"/>
+            <a:ext cx="6811007" cy="551180"/>
+          </a:xfrm>
+          <a:prstGeom prst="rightArrow">
+            <a:avLst/>
+          </a:prstGeom>
+          <a:solidFill>
+            <a:srgbClr val="0F80FF">
+              <a:alpha val="50000"/>
+            </a:srgbClr>
+          </a:solidFill>
+          <a:ln w="9525" cap="flat" cmpd="sng" algn="ctr">
+            <a:solidFill>
+              <a:srgbClr val="0F80FF"/>
+            </a:solidFill>
+            <a:prstDash val="solid"/>
+            <a:round/>
+            <a:headEnd type="none" w="med" len="med"/>
+            <a:tailEnd type="none" w="med" len="med"/>
+          </a:ln>
+          <a:effectLst/>
+          <a:extLst/>
+        </p:spPr>
+        <p:txBody>
+          <a:bodyPr rot="0" spcFirstLastPara="0" vert="horz" wrap="square" lIns="91440" tIns="45720" rIns="91440" bIns="45720" numCol="1" spcCol="0" rtlCol="0" fromWordArt="0" anchor="t" anchorCtr="0" forceAA="0" compatLnSpc="1">
+            <a:prstTxWarp prst="textNoShape">
+              <a:avLst/>
+            </a:prstTxWarp>
+            <a:noAutofit/>
+          </a:bodyPr>
+          <a:lstStyle/>
+          <a:p>
+            <a:pPr algn="ctr"/>
+            <a:r>
+              <a:rPr lang="en-US" sz="800" b="1" dirty="0" err="1" smtClean="0">
+                <a:solidFill>
+                  <a:srgbClr val="0F80FF"/>
+                </a:solidFill>
+              </a:rPr>
+              <a:t>target_name</a:t>
+            </a:r>
+            <a:endParaRPr lang="en-US" sz="800" b="1" dirty="0">
+              <a:solidFill>
+                <a:srgbClr val="0F80FF"/>
+              </a:solidFill>
+            </a:endParaRPr>
+          </a:p>
+        </p:txBody>
+      </p:sp>
+      <p:sp>
+        <p:nvSpPr>
+          <p:cNvPr id="78" name="Chevron 77"/>
+          <p:cNvSpPr/>
+          <p:nvPr/>
+        </p:nvSpPr>
+        <p:spPr bwMode="auto">
+          <a:xfrm rot="10800000" flipH="1">
+            <a:off x="2148186" y="1961670"/>
+            <a:ext cx="1018330" cy="275590"/>
+          </a:xfrm>
+          <a:prstGeom prst="chevron">
+            <a:avLst/>
+          </a:prstGeom>
+          <a:solidFill>
+            <a:schemeClr val="accent1">
+              <a:lumMod val="50000"/>
+              <a:alpha val="50000"/>
+            </a:schemeClr>
+          </a:solidFill>
+          <a:ln w="9525" cap="flat" cmpd="sng" algn="ctr">
+            <a:solidFill>
+              <a:schemeClr val="accent1">
+                <a:lumMod val="50000"/>
+              </a:schemeClr>
+            </a:solidFill>
+            <a:prstDash val="solid"/>
+            <a:round/>
+            <a:headEnd type="none" w="med" len="med"/>
+            <a:tailEnd type="none" w="med" len="med"/>
+          </a:ln>
+          <a:effectLst/>
+          <a:extLst/>
+        </p:spPr>
+        <p:txBody>
+          <a:bodyPr rot="0" spcFirstLastPara="0" vert="horz" wrap="square" lIns="91440" tIns="45720" rIns="91440" bIns="45720" numCol="1" spcCol="0" rtlCol="0" fromWordArt="0" anchor="t" anchorCtr="0" forceAA="0" compatLnSpc="1">
+            <a:prstTxWarp prst="textNoShape">
+              <a:avLst/>
+            </a:prstTxWarp>
+            <a:noAutofit/>
+          </a:bodyPr>
+          <a:lstStyle/>
+          <a:p>
+            <a:endParaRPr lang="en-US" sz="800" dirty="0"/>
+          </a:p>
+        </p:txBody>
+      </p:sp>
+      <p:sp>
+        <p:nvSpPr>
+          <p:cNvPr id="79" name="TextBox 78"/>
+          <p:cNvSpPr txBox="1"/>
+          <p:nvPr/>
+        </p:nvSpPr>
+        <p:spPr>
+          <a:xfrm>
+            <a:off x="2235009" y="1983926"/>
+            <a:ext cx="954107" cy="215444"/>
+          </a:xfrm>
+          <a:prstGeom prst="rect">
+            <a:avLst/>
+          </a:prstGeom>
+          <a:noFill/>
+          <a:ln>
+            <a:noFill/>
+          </a:ln>
+        </p:spPr>
+        <p:txBody>
+          <a:bodyPr wrap="none" rtlCol="0">
+            <a:spAutoFit/>
+          </a:bodyPr>
+          <a:lstStyle/>
+          <a:p>
+            <a:pPr eaLnBrk="0" fontAlgn="base" hangingPunct="0">
+              <a:spcAft>
+                <a:spcPts val="0"/>
+              </a:spcAft>
+            </a:pPr>
+            <a:r>
+              <a:rPr lang="en-GB" sz="800" b="1" kern="1200" dirty="0" err="1">
+                <a:solidFill>
+                  <a:schemeClr val="accent1">
+                    <a:lumMod val="50000"/>
+                  </a:schemeClr>
+                </a:solidFill>
+                <a:effectLst/>
+                <a:latin typeface="Arial"/>
+                <a:ea typeface="MS PGothic"/>
+                <a:cs typeface="Times New Roman"/>
+              </a:rPr>
+              <a:t>forward_primer</a:t>
+            </a:r>
+            <a:endParaRPr lang="en-GB" sz="800" dirty="0">
+              <a:solidFill>
+                <a:schemeClr val="accent1">
+                  <a:lumMod val="50000"/>
+                </a:schemeClr>
+              </a:solidFill>
+              <a:effectLst/>
+              <a:latin typeface="Times New Roman"/>
+              <a:ea typeface="游明朝"/>
+            </a:endParaRPr>
+          </a:p>
+        </p:txBody>
+      </p:sp>
+      <p:cxnSp>
+        <p:nvCxnSpPr>
+          <p:cNvPr id="80" name="Straight Arrow Connector 79"/>
+          <p:cNvCxnSpPr/>
+          <p:nvPr/>
+        </p:nvCxnSpPr>
+        <p:spPr bwMode="auto">
+          <a:xfrm>
+            <a:off x="2148185" y="1953854"/>
+            <a:ext cx="0" cy="427503"/>
+          </a:xfrm>
+          <a:prstGeom prst="straightConnector1">
+            <a:avLst/>
+          </a:prstGeom>
+          <a:solidFill>
+            <a:srgbClr val="00B8FF"/>
+          </a:solidFill>
+          <a:ln w="12700" cap="flat" cmpd="sng" algn="ctr">
+            <a:solidFill>
+              <a:schemeClr val="accent1">
+                <a:lumMod val="50000"/>
+              </a:schemeClr>
+            </a:solidFill>
+            <a:prstDash val="solid"/>
+            <a:round/>
+            <a:headEnd type="none" w="med" len="med"/>
+            <a:tailEnd type="triangle"/>
+          </a:ln>
+          <a:effectLst/>
+          <a:extLst>
+            <a:ext uri="{AF507438-7753-43e0-B8FC-AC1667EBCBE1}">
+              <a14:hiddenEffects xmlns:a14="http://schemas.microsoft.com/office/drawing/2010/main">
+                <a:effectLst>
+                  <a:outerShdw dist="35921" dir="2700000" algn="ctr" rotWithShape="0">
+                    <a:schemeClr val="bg2"/>
+                  </a:outerShdw>
+                </a:effectLst>
+              </a14:hiddenEffects>
+            </a:ext>
+          </a:extLst>
+        </p:spPr>
+      </p:cxnSp>
+      <p:cxnSp>
+        <p:nvCxnSpPr>
+          <p:cNvPr id="81" name="Straight Arrow Connector 80"/>
+          <p:cNvCxnSpPr>
+            <a:endCxn id="95" idx="0"/>
+          </p:cNvCxnSpPr>
+          <p:nvPr/>
+        </p:nvCxnSpPr>
+        <p:spPr bwMode="auto">
+          <a:xfrm>
+            <a:off x="3166516" y="1953854"/>
+            <a:ext cx="0" cy="606571"/>
+          </a:xfrm>
+          <a:prstGeom prst="straightConnector1">
+            <a:avLst/>
+          </a:prstGeom>
+          <a:solidFill>
+            <a:srgbClr val="00B8FF"/>
+          </a:solidFill>
+          <a:ln w="12700" cap="flat" cmpd="sng" algn="ctr">
+            <a:solidFill>
+              <a:schemeClr val="accent1">
+                <a:lumMod val="50000"/>
+              </a:schemeClr>
+            </a:solidFill>
+            <a:prstDash val="solid"/>
+            <a:round/>
+            <a:headEnd type="none" w="med" len="med"/>
+            <a:tailEnd type="triangle"/>
+          </a:ln>
+          <a:effectLst/>
+          <a:extLst>
+            <a:ext uri="{AF507438-7753-43e0-B8FC-AC1667EBCBE1}">
+              <a14:hiddenEffects xmlns:a14="http://schemas.microsoft.com/office/drawing/2010/main">
+                <a:effectLst>
+                  <a:outerShdw dist="35921" dir="2700000" algn="ctr" rotWithShape="0">
+                    <a:schemeClr val="bg2"/>
+                  </a:outerShdw>
+                </a:effectLst>
+              </a14:hiddenEffects>
+            </a:ext>
+          </a:extLst>
+        </p:spPr>
+      </p:cxnSp>
+      <p:sp>
+        <p:nvSpPr>
+          <p:cNvPr id="82" name="Chevron 81"/>
+          <p:cNvSpPr/>
+          <p:nvPr/>
+        </p:nvSpPr>
+        <p:spPr bwMode="auto">
+          <a:xfrm rot="10800000">
+            <a:off x="5962729" y="1961670"/>
+            <a:ext cx="983141" cy="275590"/>
+          </a:xfrm>
+          <a:prstGeom prst="chevron">
+            <a:avLst/>
+          </a:prstGeom>
+          <a:solidFill>
+            <a:srgbClr val="254061">
+              <a:alpha val="50000"/>
+            </a:srgbClr>
+          </a:solidFill>
+          <a:ln w="9525" cap="flat" cmpd="sng" algn="ctr">
+            <a:solidFill>
+              <a:srgbClr val="254061"/>
+            </a:solidFill>
+            <a:prstDash val="solid"/>
+            <a:round/>
+            <a:headEnd type="none" w="med" len="med"/>
+            <a:tailEnd type="none" w="med" len="med"/>
+          </a:ln>
+          <a:effectLst/>
+          <a:extLst/>
+        </p:spPr>
+        <p:txBody>
+          <a:bodyPr rot="0" spcFirstLastPara="0" vert="horz" wrap="square" lIns="91440" tIns="45720" rIns="91440" bIns="45720" numCol="1" spcCol="0" rtlCol="0" fromWordArt="0" anchor="t" anchorCtr="0" forceAA="0" compatLnSpc="1">
+            <a:prstTxWarp prst="textNoShape">
+              <a:avLst/>
+            </a:prstTxWarp>
+            <a:noAutofit/>
+          </a:bodyPr>
+          <a:lstStyle/>
+          <a:p>
+            <a:endParaRPr lang="en-US" sz="800"/>
+          </a:p>
+        </p:txBody>
+      </p:sp>
+      <p:sp>
+        <p:nvSpPr>
+          <p:cNvPr id="83" name="TextBox 82"/>
+          <p:cNvSpPr txBox="1"/>
+          <p:nvPr/>
+        </p:nvSpPr>
+        <p:spPr>
+          <a:xfrm>
+            <a:off x="5948486" y="1983926"/>
+            <a:ext cx="941283" cy="215444"/>
+          </a:xfrm>
+          <a:prstGeom prst="rect">
+            <a:avLst/>
+          </a:prstGeom>
+          <a:noFill/>
+          <a:ln>
+            <a:noFill/>
+          </a:ln>
+        </p:spPr>
+        <p:txBody>
+          <a:bodyPr wrap="none" rtlCol="0">
+            <a:spAutoFit/>
+          </a:bodyPr>
+          <a:lstStyle/>
+          <a:p>
+            <a:pPr eaLnBrk="0" fontAlgn="base" hangingPunct="0">
+              <a:spcAft>
+                <a:spcPts val="0"/>
+              </a:spcAft>
+            </a:pPr>
+            <a:r>
+              <a:rPr lang="en-GB" sz="800" b="1" kern="1200" dirty="0" err="1">
+                <a:solidFill>
+                  <a:schemeClr val="accent1">
+                    <a:lumMod val="50000"/>
+                  </a:schemeClr>
+                </a:solidFill>
+                <a:effectLst/>
+                <a:latin typeface="Arial"/>
+                <a:ea typeface="MS PGothic"/>
+                <a:cs typeface="Times New Roman"/>
+              </a:rPr>
+              <a:t>reverse_primer</a:t>
+            </a:r>
+            <a:endParaRPr lang="en-GB" sz="800" dirty="0">
+              <a:solidFill>
+                <a:schemeClr val="accent1">
+                  <a:lumMod val="50000"/>
+                </a:schemeClr>
+              </a:solidFill>
+              <a:effectLst/>
+              <a:latin typeface="Times New Roman"/>
+              <a:ea typeface="游明朝"/>
+            </a:endParaRPr>
+          </a:p>
+        </p:txBody>
+      </p:sp>
+      <p:cxnSp>
+        <p:nvCxnSpPr>
+          <p:cNvPr id="84" name="Straight Arrow Connector 83"/>
+          <p:cNvCxnSpPr/>
+          <p:nvPr/>
+        </p:nvCxnSpPr>
+        <p:spPr bwMode="auto">
+          <a:xfrm>
+            <a:off x="5950092" y="1953854"/>
+            <a:ext cx="0" cy="427503"/>
+          </a:xfrm>
+          <a:prstGeom prst="straightConnector1">
+            <a:avLst/>
+          </a:prstGeom>
+          <a:solidFill>
+            <a:srgbClr val="00B8FF"/>
+          </a:solidFill>
+          <a:ln w="12700" cap="flat" cmpd="sng" algn="ctr">
+            <a:solidFill>
+              <a:srgbClr val="254061"/>
+            </a:solidFill>
+            <a:prstDash val="solid"/>
+            <a:round/>
+            <a:headEnd type="none" w="med" len="med"/>
+            <a:tailEnd type="triangle"/>
+          </a:ln>
+          <a:effectLst/>
+          <a:extLst>
+            <a:ext uri="{AF507438-7753-43e0-B8FC-AC1667EBCBE1}">
+              <a14:hiddenEffects xmlns:a14="http://schemas.microsoft.com/office/drawing/2010/main">
+                <a:effectLst>
+                  <a:outerShdw dist="35921" dir="2700000" algn="ctr" rotWithShape="0">
+                    <a:schemeClr val="bg2"/>
+                  </a:outerShdw>
+                </a:effectLst>
+              </a14:hiddenEffects>
+            </a:ext>
+          </a:extLst>
+        </p:spPr>
+      </p:cxnSp>
+      <p:cxnSp>
+        <p:nvCxnSpPr>
+          <p:cNvPr id="85" name="Straight Arrow Connector 84"/>
+          <p:cNvCxnSpPr>
+            <a:endCxn id="99" idx="0"/>
+          </p:cNvCxnSpPr>
+          <p:nvPr/>
+        </p:nvCxnSpPr>
+        <p:spPr bwMode="auto">
+          <a:xfrm>
+            <a:off x="6945870" y="1953854"/>
+            <a:ext cx="1" cy="606571"/>
+          </a:xfrm>
+          <a:prstGeom prst="straightConnector1">
+            <a:avLst/>
+          </a:prstGeom>
+          <a:solidFill>
+            <a:srgbClr val="00B8FF"/>
+          </a:solidFill>
+          <a:ln w="12700" cap="flat" cmpd="sng" algn="ctr">
+            <a:solidFill>
+              <a:srgbClr val="254061"/>
+            </a:solidFill>
+            <a:prstDash val="solid"/>
+            <a:round/>
+            <a:headEnd type="none" w="med" len="med"/>
+            <a:tailEnd type="triangle"/>
+          </a:ln>
+          <a:effectLst/>
+          <a:extLst>
+            <a:ext uri="{AF507438-7753-43e0-B8FC-AC1667EBCBE1}">
+              <a14:hiddenEffects xmlns:a14="http://schemas.microsoft.com/office/drawing/2010/main">
+                <a:effectLst>
+                  <a:outerShdw dist="35921" dir="2700000" algn="ctr" rotWithShape="0">
+                    <a:schemeClr val="bg2"/>
+                  </a:outerShdw>
+                </a:effectLst>
+              </a14:hiddenEffects>
+            </a:ext>
+          </a:extLst>
+        </p:spPr>
+      </p:cxnSp>
+      <p:sp>
+        <p:nvSpPr>
+          <p:cNvPr id="86" name="TextBox 85"/>
+          <p:cNvSpPr txBox="1"/>
+          <p:nvPr/>
+        </p:nvSpPr>
+        <p:spPr>
+          <a:xfrm>
+            <a:off x="7706783" y="2374216"/>
+            <a:ext cx="710451" cy="215444"/>
+          </a:xfrm>
+          <a:prstGeom prst="rect">
+            <a:avLst/>
+          </a:prstGeom>
+          <a:noFill/>
+        </p:spPr>
+        <p:txBody>
+          <a:bodyPr wrap="none" rtlCol="0">
+            <a:spAutoFit/>
+          </a:bodyPr>
+          <a:lstStyle/>
+          <a:p>
+            <a:pPr algn="ctr" eaLnBrk="0" fontAlgn="base" hangingPunct="0">
+              <a:spcAft>
+                <a:spcPts val="0"/>
+              </a:spcAft>
+            </a:pPr>
+            <a:r>
+              <a:rPr lang="en-GB" sz="800" b="1" dirty="0" err="1">
+                <a:solidFill>
+                  <a:srgbClr val="0F80FF"/>
+                </a:solidFill>
+                <a:latin typeface="Arial"/>
+                <a:ea typeface="MS PGothic"/>
+                <a:cs typeface="Times New Roman"/>
+              </a:rPr>
+              <a:t>t</a:t>
+            </a:r>
+            <a:r>
+              <a:rPr lang="en-GB" sz="800" b="1" kern="1200" dirty="0" err="1" smtClean="0">
+                <a:solidFill>
+                  <a:srgbClr val="0F80FF"/>
+                </a:solidFill>
+                <a:effectLst/>
+                <a:latin typeface="Arial"/>
+                <a:ea typeface="MS PGothic"/>
+                <a:cs typeface="Times New Roman"/>
+              </a:rPr>
+              <a:t>arget_end</a:t>
+            </a:r>
+            <a:endParaRPr lang="en-GB" sz="800" b="1" dirty="0">
+              <a:solidFill>
+                <a:srgbClr val="0F80FF"/>
+              </a:solidFill>
+              <a:effectLst/>
+              <a:latin typeface="Times New Roman"/>
+              <a:ea typeface="游明朝"/>
+            </a:endParaRPr>
+          </a:p>
+        </p:txBody>
+      </p:sp>
+      <p:cxnSp>
+        <p:nvCxnSpPr>
+          <p:cNvPr id="87" name="Straight Arrow Connector 86"/>
+          <p:cNvCxnSpPr>
+            <a:endCxn id="86" idx="0"/>
+          </p:cNvCxnSpPr>
+          <p:nvPr/>
+        </p:nvCxnSpPr>
+        <p:spPr bwMode="auto">
+          <a:xfrm>
+            <a:off x="8062009" y="2004654"/>
+            <a:ext cx="0" cy="369562"/>
+          </a:xfrm>
+          <a:prstGeom prst="straightConnector1">
+            <a:avLst/>
+          </a:prstGeom>
+          <a:solidFill>
+            <a:srgbClr val="00B8FF"/>
+          </a:solidFill>
+          <a:ln w="12700" cap="flat" cmpd="sng" algn="ctr">
+            <a:solidFill>
+              <a:srgbClr val="0F80FF"/>
+            </a:solidFill>
+            <a:prstDash val="solid"/>
+            <a:round/>
+            <a:headEnd type="none" w="med" len="med"/>
+            <a:tailEnd type="triangle"/>
+          </a:ln>
+          <a:effectLst/>
+          <a:extLst>
+            <a:ext uri="{AF507438-7753-43e0-B8FC-AC1667EBCBE1}">
+              <a14:hiddenEffects xmlns:a14="http://schemas.microsoft.com/office/drawing/2010/main">
+                <a:effectLst>
+                  <a:outerShdw dist="35921" dir="2700000" algn="ctr" rotWithShape="0">
+                    <a:schemeClr val="bg2"/>
+                  </a:outerShdw>
+                </a:effectLst>
+              </a14:hiddenEffects>
+            </a:ext>
+          </a:extLst>
+        </p:spPr>
+      </p:cxnSp>
+      <p:sp>
+        <p:nvSpPr>
+          <p:cNvPr id="88" name="TextBox 87"/>
+          <p:cNvSpPr txBox="1"/>
+          <p:nvPr/>
+        </p:nvSpPr>
+        <p:spPr>
+          <a:xfrm>
+            <a:off x="1208559" y="1308750"/>
+            <a:ext cx="1274708" cy="215444"/>
+          </a:xfrm>
+          <a:prstGeom prst="rect">
+            <a:avLst/>
+          </a:prstGeom>
+          <a:noFill/>
+        </p:spPr>
+        <p:txBody>
+          <a:bodyPr wrap="none" rtlCol="0">
+            <a:spAutoFit/>
+          </a:bodyPr>
+          <a:lstStyle/>
+          <a:p>
+            <a:pPr eaLnBrk="0" fontAlgn="base" hangingPunct="0">
+              <a:spcAft>
+                <a:spcPts val="0"/>
+              </a:spcAft>
+            </a:pPr>
+            <a:r>
+              <a:rPr lang="en-GB" sz="800" b="1" kern="1200" dirty="0" err="1" smtClean="0">
+                <a:solidFill>
+                  <a:srgbClr val="000000"/>
+                </a:solidFill>
+                <a:effectLst/>
+                <a:latin typeface="Arial"/>
+                <a:ea typeface="MS PGothic"/>
+                <a:cs typeface="Times New Roman"/>
+              </a:rPr>
+              <a:t>target_strand</a:t>
+            </a:r>
+            <a:r>
+              <a:rPr lang="en-GB" sz="800" b="1" kern="1200" dirty="0" smtClean="0">
+                <a:solidFill>
+                  <a:srgbClr val="000000"/>
+                </a:solidFill>
+                <a:effectLst/>
+                <a:latin typeface="Arial"/>
+                <a:ea typeface="MS PGothic"/>
+                <a:cs typeface="Times New Roman"/>
+              </a:rPr>
+              <a:t>: </a:t>
+            </a:r>
+            <a:r>
+              <a:rPr lang="en-GB" sz="800" b="1" kern="1200" dirty="0" smtClean="0">
+                <a:solidFill>
+                  <a:srgbClr val="000000"/>
+                </a:solidFill>
+                <a:effectLst/>
+                <a:latin typeface="Arial"/>
+                <a:ea typeface="MS PGothic"/>
+                <a:cs typeface="Times New Roman"/>
+              </a:rPr>
+              <a:t>reverse</a:t>
+            </a:r>
+            <a:endParaRPr lang="en-GB" sz="800" dirty="0">
+              <a:effectLst/>
+              <a:latin typeface="Times New Roman"/>
+              <a:ea typeface="游明朝"/>
+            </a:endParaRPr>
+          </a:p>
+        </p:txBody>
+      </p:sp>
+      <p:sp>
+        <p:nvSpPr>
+          <p:cNvPr id="89" name="TextBox 88"/>
+          <p:cNvSpPr txBox="1"/>
+          <p:nvPr/>
+        </p:nvSpPr>
+        <p:spPr>
+          <a:xfrm>
+            <a:off x="3641085" y="2374216"/>
+            <a:ext cx="915635" cy="338554"/>
+          </a:xfrm>
+          <a:prstGeom prst="rect">
+            <a:avLst/>
+          </a:prstGeom>
+          <a:noFill/>
+        </p:spPr>
+        <p:txBody>
+          <a:bodyPr wrap="none" rtlCol="0">
+            <a:spAutoFit/>
+          </a:bodyPr>
+          <a:lstStyle/>
+          <a:p>
+            <a:pPr algn="ctr" eaLnBrk="0" fontAlgn="base" hangingPunct="0">
+              <a:spcAft>
+                <a:spcPts val="0"/>
+              </a:spcAft>
+            </a:pPr>
+            <a:r>
+              <a:rPr lang="en-GB" sz="800" b="1" kern="1200" dirty="0" err="1" smtClean="0">
+                <a:solidFill>
+                  <a:schemeClr val="accent5">
+                    <a:lumMod val="75000"/>
+                  </a:schemeClr>
+                </a:solidFill>
+                <a:effectLst/>
+                <a:latin typeface="Arial"/>
+                <a:ea typeface="MS PGothic"/>
+                <a:cs typeface="Times New Roman"/>
+              </a:rPr>
+              <a:t>guide_location</a:t>
+            </a:r>
+            <a:endParaRPr lang="en-GB" sz="800" b="1" dirty="0">
+              <a:solidFill>
+                <a:schemeClr val="accent5">
+                  <a:lumMod val="75000"/>
+                </a:schemeClr>
+              </a:solidFill>
+              <a:effectLst/>
+              <a:latin typeface="Times New Roman"/>
+              <a:ea typeface="游明朝"/>
+            </a:endParaRPr>
+          </a:p>
+          <a:p>
+            <a:pPr algn="ctr" eaLnBrk="0" fontAlgn="base" hangingPunct="0">
+              <a:spcAft>
+                <a:spcPts val="0"/>
+              </a:spcAft>
+            </a:pPr>
+            <a:r>
+              <a:rPr lang="en-GB" sz="800" b="1" dirty="0" smtClean="0">
+                <a:solidFill>
+                  <a:schemeClr val="accent5">
+                    <a:lumMod val="75000"/>
+                  </a:schemeClr>
+                </a:solidFill>
+                <a:latin typeface="Arial"/>
+                <a:ea typeface="MS PGothic"/>
+                <a:cs typeface="Times New Roman"/>
+              </a:rPr>
+              <a:t>“</a:t>
+            </a:r>
+            <a:r>
+              <a:rPr lang="en-GB" sz="800" b="1" kern="1200" dirty="0" smtClean="0">
+                <a:solidFill>
+                  <a:schemeClr val="accent5">
+                    <a:lumMod val="75000"/>
+                  </a:schemeClr>
+                </a:solidFill>
+                <a:effectLst/>
+                <a:latin typeface="Arial"/>
+                <a:ea typeface="MS PGothic"/>
+                <a:cs typeface="Times New Roman"/>
+              </a:rPr>
+              <a:t>cutting site”</a:t>
+            </a:r>
+            <a:endParaRPr lang="en-GB" sz="800" b="1" dirty="0">
+              <a:solidFill>
+                <a:schemeClr val="accent5">
+                  <a:lumMod val="75000"/>
+                </a:schemeClr>
+              </a:solidFill>
+              <a:effectLst/>
+              <a:latin typeface="Times New Roman"/>
+              <a:ea typeface="游明朝"/>
+            </a:endParaRPr>
+          </a:p>
+        </p:txBody>
+      </p:sp>
+      <p:cxnSp>
+        <p:nvCxnSpPr>
+          <p:cNvPr id="90" name="Straight Arrow Connector 89"/>
+          <p:cNvCxnSpPr/>
+          <p:nvPr/>
+        </p:nvCxnSpPr>
+        <p:spPr bwMode="auto">
+          <a:xfrm>
+            <a:off x="4098902" y="1953854"/>
+            <a:ext cx="0" cy="427503"/>
+          </a:xfrm>
+          <a:prstGeom prst="straightConnector1">
+            <a:avLst/>
+          </a:prstGeom>
+          <a:solidFill>
+            <a:srgbClr val="00B8FF"/>
+          </a:solidFill>
+          <a:ln w="12700" cap="flat" cmpd="sng" algn="ctr">
+            <a:solidFill>
+              <a:schemeClr val="accent5">
+                <a:lumMod val="75000"/>
+              </a:schemeClr>
+            </a:solidFill>
+            <a:prstDash val="solid"/>
+            <a:round/>
+            <a:headEnd type="none" w="med" len="med"/>
+            <a:tailEnd type="triangle"/>
+          </a:ln>
+          <a:effectLst/>
+          <a:extLst>
+            <a:ext uri="{AF507438-7753-43e0-B8FC-AC1667EBCBE1}">
+              <a14:hiddenEffects xmlns:a14="http://schemas.microsoft.com/office/drawing/2010/main">
+                <a:effectLst>
+                  <a:outerShdw dist="35921" dir="2700000" algn="ctr" rotWithShape="0">
+                    <a:schemeClr val="bg2"/>
+                  </a:outerShdw>
+                </a:effectLst>
+              </a14:hiddenEffects>
+            </a:ext>
+          </a:extLst>
+        </p:spPr>
+      </p:cxnSp>
+      <p:sp>
+        <p:nvSpPr>
+          <p:cNvPr id="91" name="TextBox 90"/>
+          <p:cNvSpPr txBox="1"/>
+          <p:nvPr/>
+        </p:nvSpPr>
+        <p:spPr>
+          <a:xfrm>
+            <a:off x="3689644" y="1716105"/>
+            <a:ext cx="787395" cy="215444"/>
+          </a:xfrm>
+          <a:prstGeom prst="rect">
+            <a:avLst/>
+          </a:prstGeom>
+          <a:solidFill>
+            <a:schemeClr val="accent5">
+              <a:lumMod val="75000"/>
+              <a:alpha val="50000"/>
+            </a:schemeClr>
+          </a:solidFill>
+          <a:ln>
+            <a:solidFill>
+              <a:schemeClr val="accent5">
+                <a:lumMod val="75000"/>
+              </a:schemeClr>
+            </a:solidFill>
+          </a:ln>
+        </p:spPr>
+        <p:txBody>
+          <a:bodyPr wrap="none" rtlCol="0">
+            <a:spAutoFit/>
+          </a:bodyPr>
+          <a:lstStyle/>
+          <a:p>
+            <a:pPr eaLnBrk="0" fontAlgn="base" hangingPunct="0">
+              <a:spcAft>
+                <a:spcPts val="0"/>
+              </a:spcAft>
+            </a:pPr>
+            <a:r>
+              <a:rPr lang="en-GB" sz="800" b="1" kern="1200" dirty="0" err="1">
+                <a:solidFill>
+                  <a:schemeClr val="accent5">
+                    <a:lumMod val="50000"/>
+                  </a:schemeClr>
+                </a:solidFill>
+                <a:effectLst/>
+                <a:latin typeface="Arial"/>
+                <a:ea typeface="MS PGothic"/>
+                <a:cs typeface="Times New Roman"/>
+              </a:rPr>
+              <a:t>guide_name</a:t>
+            </a:r>
+            <a:endParaRPr lang="en-GB" sz="800" dirty="0">
+              <a:solidFill>
+                <a:schemeClr val="accent5">
+                  <a:lumMod val="50000"/>
+                </a:schemeClr>
+              </a:solidFill>
+              <a:effectLst/>
+              <a:latin typeface="Times New Roman"/>
+              <a:ea typeface="游明朝"/>
+            </a:endParaRPr>
+          </a:p>
+        </p:txBody>
+      </p:sp>
+      <p:sp>
+        <p:nvSpPr>
+          <p:cNvPr id="92" name="TextBox 91"/>
+          <p:cNvSpPr txBox="1"/>
+          <p:nvPr/>
+        </p:nvSpPr>
+        <p:spPr>
+          <a:xfrm>
+            <a:off x="876439" y="2374216"/>
+            <a:ext cx="749123" cy="215444"/>
+          </a:xfrm>
+          <a:prstGeom prst="rect">
+            <a:avLst/>
+          </a:prstGeom>
+          <a:noFill/>
+        </p:spPr>
+        <p:txBody>
+          <a:bodyPr wrap="none" rtlCol="0">
+            <a:spAutoFit/>
+          </a:bodyPr>
+          <a:lstStyle/>
+          <a:p>
+            <a:pPr algn="ctr" eaLnBrk="0" fontAlgn="base" hangingPunct="0">
+              <a:spcAft>
+                <a:spcPts val="0"/>
+              </a:spcAft>
+            </a:pPr>
+            <a:r>
+              <a:rPr lang="en-GB" sz="800" b="1" dirty="0" err="1" smtClean="0">
+                <a:solidFill>
+                  <a:srgbClr val="0F80FF"/>
+                </a:solidFill>
+                <a:latin typeface="Arial"/>
+                <a:ea typeface="MS PGothic"/>
+                <a:cs typeface="Times New Roman"/>
+              </a:rPr>
+              <a:t>t</a:t>
+            </a:r>
+            <a:r>
+              <a:rPr lang="en-GB" sz="800" b="1" kern="1200" dirty="0" err="1" smtClean="0">
+                <a:solidFill>
+                  <a:srgbClr val="0F80FF"/>
+                </a:solidFill>
+                <a:effectLst/>
+                <a:latin typeface="Arial"/>
+                <a:ea typeface="MS PGothic"/>
+                <a:cs typeface="Times New Roman"/>
+              </a:rPr>
+              <a:t>arget_start</a:t>
+            </a:r>
+            <a:endParaRPr lang="en-GB" sz="800" b="1" dirty="0">
+              <a:solidFill>
+                <a:srgbClr val="0F80FF"/>
+              </a:solidFill>
+              <a:effectLst/>
+              <a:latin typeface="Times New Roman"/>
+              <a:ea typeface="游明朝"/>
+            </a:endParaRPr>
+          </a:p>
+        </p:txBody>
+      </p:sp>
+      <p:cxnSp>
+        <p:nvCxnSpPr>
+          <p:cNvPr id="93" name="Straight Arrow Connector 92"/>
+          <p:cNvCxnSpPr>
+            <a:endCxn id="92" idx="0"/>
+          </p:cNvCxnSpPr>
+          <p:nvPr/>
+        </p:nvCxnSpPr>
+        <p:spPr bwMode="auto">
+          <a:xfrm flipH="1">
+            <a:off x="1251001" y="1953854"/>
+            <a:ext cx="2" cy="420362"/>
+          </a:xfrm>
+          <a:prstGeom prst="straightConnector1">
+            <a:avLst/>
+          </a:prstGeom>
+          <a:solidFill>
+            <a:srgbClr val="00B8FF"/>
+          </a:solidFill>
+          <a:ln w="12700" cap="flat" cmpd="sng" algn="ctr">
+            <a:solidFill>
+              <a:srgbClr val="0F80FF"/>
+            </a:solidFill>
+            <a:prstDash val="solid"/>
+            <a:round/>
+            <a:headEnd type="none" w="med" len="med"/>
+            <a:tailEnd type="triangle"/>
+          </a:ln>
+          <a:effectLst/>
+          <a:extLst>
+            <a:ext uri="{AF507438-7753-43e0-B8FC-AC1667EBCBE1}">
+              <a14:hiddenEffects xmlns:a14="http://schemas.microsoft.com/office/drawing/2010/main">
+                <a:effectLst>
+                  <a:outerShdw dist="35921" dir="2700000" algn="ctr" rotWithShape="0">
+                    <a:schemeClr val="bg2"/>
+                  </a:outerShdw>
+                </a:effectLst>
+              </a14:hiddenEffects>
+            </a:ext>
+          </a:extLst>
+        </p:spPr>
+      </p:cxnSp>
+      <p:sp>
+        <p:nvSpPr>
+          <p:cNvPr id="94" name="Left Brace 93"/>
+          <p:cNvSpPr/>
+          <p:nvPr/>
+        </p:nvSpPr>
+        <p:spPr>
+          <a:xfrm rot="5400000">
+            <a:off x="4429328" y="-756949"/>
+            <a:ext cx="235400" cy="4797687"/>
+          </a:xfrm>
+          <a:prstGeom prst="leftBrace">
+            <a:avLst/>
+          </a:prstGeom>
+          <a:ln w="12700" cmpd="sng">
+            <a:solidFill>
+              <a:srgbClr val="400080"/>
+            </a:solidFill>
+          </a:ln>
+        </p:spPr>
+        <p:style>
+          <a:lnRef idx="2">
+            <a:schemeClr val="accent1"/>
+          </a:lnRef>
+          <a:fillRef idx="0">
+            <a:schemeClr val="accent1"/>
+          </a:fillRef>
+          <a:effectRef idx="1">
+            <a:schemeClr val="accent1"/>
+          </a:effectRef>
+          <a:fontRef idx="minor">
+            <a:schemeClr val="tx1"/>
+          </a:fontRef>
+        </p:style>
+        <p:txBody>
+          <a:bodyPr rtlCol="0" anchor="ctr"/>
+          <a:lstStyle/>
+          <a:p>
+            <a:pPr algn="ctr"/>
+            <a:endParaRPr lang="en-US" sz="800"/>
+          </a:p>
+        </p:txBody>
+      </p:sp>
+      <p:sp>
+        <p:nvSpPr>
+          <p:cNvPr id="95" name="TextBox 94"/>
+          <p:cNvSpPr txBox="1"/>
+          <p:nvPr/>
+        </p:nvSpPr>
+        <p:spPr>
+          <a:xfrm>
+            <a:off x="2578179" y="2560425"/>
+            <a:ext cx="1176674" cy="215444"/>
+          </a:xfrm>
+          <a:prstGeom prst="rect">
+            <a:avLst/>
+          </a:prstGeom>
+          <a:noFill/>
+        </p:spPr>
+        <p:txBody>
+          <a:bodyPr wrap="none" rtlCol="0">
+            <a:spAutoFit/>
+          </a:bodyPr>
+          <a:lstStyle/>
+          <a:p>
+            <a:pPr algn="ctr" eaLnBrk="0" fontAlgn="base" hangingPunct="0">
+              <a:spcAft>
+                <a:spcPts val="0"/>
+              </a:spcAft>
+            </a:pPr>
+            <a:r>
+              <a:rPr lang="en-GB" sz="800" b="1" dirty="0" err="1" smtClean="0">
+                <a:solidFill>
+                  <a:schemeClr val="accent1">
+                    <a:lumMod val="50000"/>
+                  </a:schemeClr>
+                </a:solidFill>
+                <a:latin typeface="Arial"/>
+                <a:ea typeface="MS PGothic"/>
+                <a:cs typeface="Times New Roman"/>
+              </a:rPr>
+              <a:t>forward_primer_end</a:t>
+            </a:r>
+            <a:endParaRPr lang="en-GB" sz="800" b="1" dirty="0">
+              <a:solidFill>
+                <a:schemeClr val="accent1">
+                  <a:lumMod val="50000"/>
+                </a:schemeClr>
+              </a:solidFill>
+              <a:effectLst/>
+              <a:latin typeface="Times New Roman"/>
+              <a:ea typeface="游明朝"/>
+            </a:endParaRPr>
+          </a:p>
+        </p:txBody>
+      </p:sp>
+      <p:sp>
+        <p:nvSpPr>
+          <p:cNvPr id="96" name="TextBox 95"/>
+          <p:cNvSpPr txBox="1"/>
+          <p:nvPr/>
+        </p:nvSpPr>
+        <p:spPr>
+          <a:xfrm>
+            <a:off x="5357434" y="2374216"/>
+            <a:ext cx="1210588" cy="215444"/>
+          </a:xfrm>
+          <a:prstGeom prst="rect">
+            <a:avLst/>
+          </a:prstGeom>
+          <a:noFill/>
+        </p:spPr>
+        <p:txBody>
+          <a:bodyPr wrap="none" rtlCol="0">
+            <a:spAutoFit/>
+          </a:bodyPr>
+          <a:lstStyle/>
+          <a:p>
+            <a:pPr algn="ctr" eaLnBrk="0" fontAlgn="base" hangingPunct="0">
+              <a:spcAft>
+                <a:spcPts val="0"/>
+              </a:spcAft>
+            </a:pPr>
+            <a:r>
+              <a:rPr lang="en-GB" sz="800" b="1" dirty="0" err="1" smtClean="0">
+                <a:solidFill>
+                  <a:schemeClr val="accent1">
+                    <a:lumMod val="50000"/>
+                  </a:schemeClr>
+                </a:solidFill>
+                <a:latin typeface="Arial"/>
+                <a:ea typeface="MS PGothic"/>
+                <a:cs typeface="Times New Roman"/>
+              </a:rPr>
+              <a:t>reverse_primer_start</a:t>
+            </a:r>
+            <a:endParaRPr lang="en-GB" sz="800" b="1" dirty="0">
+              <a:solidFill>
+                <a:schemeClr val="accent1">
+                  <a:lumMod val="50000"/>
+                </a:schemeClr>
+              </a:solidFill>
+              <a:effectLst/>
+              <a:latin typeface="Times New Roman"/>
+              <a:ea typeface="游明朝"/>
+            </a:endParaRPr>
+          </a:p>
+        </p:txBody>
+      </p:sp>
+      <p:sp>
+        <p:nvSpPr>
+          <p:cNvPr id="97" name="TextBox 96"/>
+          <p:cNvSpPr txBox="1"/>
+          <p:nvPr/>
+        </p:nvSpPr>
+        <p:spPr>
+          <a:xfrm>
+            <a:off x="4212302" y="1308750"/>
+            <a:ext cx="659155" cy="215444"/>
+          </a:xfrm>
+          <a:prstGeom prst="rect">
+            <a:avLst/>
+          </a:prstGeom>
+          <a:solidFill>
+            <a:srgbClr val="400080">
+              <a:alpha val="50000"/>
+            </a:srgbClr>
+          </a:solidFill>
+          <a:ln>
+            <a:solidFill>
+              <a:srgbClr val="400080"/>
+            </a:solidFill>
+          </a:ln>
+        </p:spPr>
+        <p:txBody>
+          <a:bodyPr wrap="none" rtlCol="0">
+            <a:spAutoFit/>
+          </a:bodyPr>
+          <a:lstStyle/>
+          <a:p>
+            <a:pPr eaLnBrk="0" fontAlgn="base" hangingPunct="0">
+              <a:spcAft>
+                <a:spcPts val="0"/>
+              </a:spcAft>
+            </a:pPr>
+            <a:r>
+              <a:rPr lang="en-GB" sz="800" b="1" dirty="0" err="1">
+                <a:solidFill>
+                  <a:srgbClr val="400080"/>
+                </a:solidFill>
+                <a:latin typeface="Arial"/>
+                <a:ea typeface="MS PGothic"/>
+                <a:cs typeface="Times New Roman"/>
+              </a:rPr>
+              <a:t>A</a:t>
+            </a:r>
+            <a:r>
+              <a:rPr lang="en-GB" sz="800" b="1" dirty="0" err="1" smtClean="0">
+                <a:solidFill>
+                  <a:srgbClr val="400080"/>
+                </a:solidFill>
+                <a:latin typeface="Arial"/>
+                <a:ea typeface="MS PGothic"/>
+                <a:cs typeface="Times New Roman"/>
+              </a:rPr>
+              <a:t>mplicon</a:t>
+            </a:r>
+            <a:endParaRPr lang="en-GB" sz="800" dirty="0">
+              <a:solidFill>
+                <a:srgbClr val="400080"/>
+              </a:solidFill>
+              <a:effectLst/>
+              <a:latin typeface="Times New Roman"/>
+              <a:ea typeface="游明朝"/>
+            </a:endParaRPr>
+          </a:p>
+        </p:txBody>
+      </p:sp>
+      <p:sp>
+        <p:nvSpPr>
+          <p:cNvPr id="98" name="TextBox 97"/>
+          <p:cNvSpPr txBox="1"/>
+          <p:nvPr/>
+        </p:nvSpPr>
+        <p:spPr>
+          <a:xfrm>
+            <a:off x="1536481" y="2374216"/>
+            <a:ext cx="1223412" cy="215444"/>
+          </a:xfrm>
+          <a:prstGeom prst="rect">
+            <a:avLst/>
+          </a:prstGeom>
+          <a:noFill/>
+        </p:spPr>
+        <p:txBody>
+          <a:bodyPr wrap="none" rtlCol="0">
+            <a:spAutoFit/>
+          </a:bodyPr>
+          <a:lstStyle/>
+          <a:p>
+            <a:pPr algn="ctr" eaLnBrk="0" fontAlgn="base" hangingPunct="0">
+              <a:spcAft>
+                <a:spcPts val="0"/>
+              </a:spcAft>
+            </a:pPr>
+            <a:r>
+              <a:rPr lang="en-GB" sz="800" b="1" dirty="0" err="1">
+                <a:solidFill>
+                  <a:schemeClr val="accent1">
+                    <a:lumMod val="50000"/>
+                  </a:schemeClr>
+                </a:solidFill>
+                <a:latin typeface="Arial"/>
+                <a:ea typeface="MS PGothic"/>
+                <a:cs typeface="Times New Roman"/>
+              </a:rPr>
+              <a:t>f</a:t>
+            </a:r>
+            <a:r>
+              <a:rPr lang="en-GB" sz="800" b="1" dirty="0" err="1" smtClean="0">
+                <a:solidFill>
+                  <a:schemeClr val="accent1">
+                    <a:lumMod val="50000"/>
+                  </a:schemeClr>
+                </a:solidFill>
+                <a:latin typeface="Arial"/>
+                <a:ea typeface="MS PGothic"/>
+                <a:cs typeface="Times New Roman"/>
+              </a:rPr>
+              <a:t>orward_primer_start</a:t>
+            </a:r>
+            <a:endParaRPr lang="en-GB" sz="800" b="1" dirty="0">
+              <a:solidFill>
+                <a:schemeClr val="accent1">
+                  <a:lumMod val="50000"/>
+                </a:schemeClr>
+              </a:solidFill>
+              <a:effectLst/>
+              <a:latin typeface="Times New Roman"/>
+              <a:ea typeface="游明朝"/>
+            </a:endParaRPr>
+          </a:p>
+        </p:txBody>
+      </p:sp>
+      <p:sp>
+        <p:nvSpPr>
+          <p:cNvPr id="99" name="TextBox 98"/>
+          <p:cNvSpPr txBox="1"/>
+          <p:nvPr/>
+        </p:nvSpPr>
+        <p:spPr>
+          <a:xfrm>
+            <a:off x="6359813" y="2560425"/>
+            <a:ext cx="1172116" cy="215444"/>
+          </a:xfrm>
+          <a:prstGeom prst="rect">
+            <a:avLst/>
+          </a:prstGeom>
+          <a:noFill/>
+        </p:spPr>
+        <p:txBody>
+          <a:bodyPr wrap="none" rtlCol="0">
+            <a:spAutoFit/>
+          </a:bodyPr>
+          <a:lstStyle/>
+          <a:p>
+            <a:pPr algn="ctr" eaLnBrk="0" fontAlgn="base" hangingPunct="0">
+              <a:spcAft>
+                <a:spcPts val="0"/>
+              </a:spcAft>
+            </a:pPr>
+            <a:r>
+              <a:rPr lang="en-GB" sz="800" b="1" dirty="0" err="1" smtClean="0">
+                <a:solidFill>
+                  <a:schemeClr val="accent1">
+                    <a:lumMod val="50000"/>
+                  </a:schemeClr>
+                </a:solidFill>
+                <a:latin typeface="Arial"/>
+                <a:ea typeface="MS PGothic"/>
+                <a:cs typeface="Times New Roman"/>
+              </a:rPr>
+              <a:t>reverse_primer_end</a:t>
+            </a:r>
+            <a:endParaRPr lang="en-GB" sz="800" b="1" dirty="0">
+              <a:solidFill>
+                <a:schemeClr val="accent1">
+                  <a:lumMod val="50000"/>
+                </a:schemeClr>
+              </a:solidFill>
+              <a:effectLst/>
+              <a:latin typeface="Times New Roman"/>
+              <a:ea typeface="游明朝"/>
+            </a:endParaRPr>
+          </a:p>
+        </p:txBody>
+      </p:sp>
+    </p:spTree>
+    <p:extLst>
+      <p:ext uri="{BB962C8B-B14F-4D97-AF65-F5344CB8AC3E}">
+        <p14:creationId xmlns:p14="http://schemas.microsoft.com/office/powerpoint/2010/main" val="1054252017"/>
       </p:ext>
     </p:extLst>
   </p:cSld>
